--- a/Presentation/Presentation.pptx
+++ b/Presentation/Presentation.pptx
@@ -5,23 +5,25 @@
     <p:sldMasterId id="2147483858" r:id="rId1"/>
   </p:sldMasterIdLst>
   <p:notesMasterIdLst>
-    <p:notesMasterId r:id="rId16"/>
+    <p:notesMasterId r:id="rId18"/>
   </p:notesMasterIdLst>
   <p:sldIdLst>
     <p:sldId id="256" r:id="rId2"/>
     <p:sldId id="257" r:id="rId3"/>
-    <p:sldId id="258" r:id="rId4"/>
-    <p:sldId id="259" r:id="rId5"/>
-    <p:sldId id="263" r:id="rId6"/>
-    <p:sldId id="260" r:id="rId7"/>
-    <p:sldId id="261" r:id="rId8"/>
-    <p:sldId id="269" r:id="rId9"/>
-    <p:sldId id="262" r:id="rId10"/>
-    <p:sldId id="264" r:id="rId11"/>
-    <p:sldId id="265" r:id="rId12"/>
-    <p:sldId id="266" r:id="rId13"/>
-    <p:sldId id="267" r:id="rId14"/>
-    <p:sldId id="268" r:id="rId15"/>
+    <p:sldId id="270" r:id="rId4"/>
+    <p:sldId id="258" r:id="rId5"/>
+    <p:sldId id="259" r:id="rId6"/>
+    <p:sldId id="263" r:id="rId7"/>
+    <p:sldId id="260" r:id="rId8"/>
+    <p:sldId id="261" r:id="rId9"/>
+    <p:sldId id="269" r:id="rId10"/>
+    <p:sldId id="262" r:id="rId11"/>
+    <p:sldId id="271" r:id="rId12"/>
+    <p:sldId id="264" r:id="rId13"/>
+    <p:sldId id="265" r:id="rId14"/>
+    <p:sldId id="266" r:id="rId15"/>
+    <p:sldId id="267" r:id="rId16"/>
+    <p:sldId id="268" r:id="rId17"/>
   </p:sldIdLst>
   <p:sldSz cx="12192000" cy="6858000"/>
   <p:notesSz cx="6858000" cy="9144000"/>
@@ -120,6 +122,11 @@
       </a:defRPr>
     </a:lvl9pPr>
   </p:defaultTextStyle>
+  <p:extLst>
+    <p:ext uri="{EFAFB233-063F-42B5-8137-9DF3F51BA10A}">
+      <p15:sldGuideLst xmlns:p15="http://schemas.microsoft.com/office/powerpoint/2012/main"/>
+    </p:ext>
+  </p:extLst>
 </p:presentation>
 </file>
 
@@ -561,6 +568,856 @@
 </p:notes>
 </file>
 
+<file path=ppt/notesSlides/notesSlide10.xml><?xml version="1.0" encoding="utf-8"?>
+<p:notes xmlns:a="http://schemas.openxmlformats.org/drawingml/2006/main" xmlns:r="http://schemas.openxmlformats.org/officeDocument/2006/relationships" xmlns:p="http://schemas.openxmlformats.org/presentationml/2006/main">
+  <p:cSld>
+    <p:spTree>
+      <p:nvGrpSpPr>
+        <p:cNvPr id="1" name=""/>
+        <p:cNvGrpSpPr/>
+        <p:nvPr/>
+      </p:nvGrpSpPr>
+      <p:grpSpPr>
+        <a:xfrm>
+          <a:off x="0" y="0"/>
+          <a:ext cx="0" cy="0"/>
+          <a:chOff x="0" y="0"/>
+          <a:chExt cx="0" cy="0"/>
+        </a:xfrm>
+      </p:grpSpPr>
+      <p:sp>
+        <p:nvSpPr>
+          <p:cNvPr id="2" name="Espace réservé de l'image des diapositives 1"/>
+          <p:cNvSpPr>
+            <a:spLocks noGrp="1" noRot="1" noChangeAspect="1"/>
+          </p:cNvSpPr>
+          <p:nvPr>
+            <p:ph type="sldImg"/>
+          </p:nvPr>
+        </p:nvSpPr>
+        <p:spPr/>
+      </p:sp>
+      <p:sp>
+        <p:nvSpPr>
+          <p:cNvPr id="3" name="Espace réservé des commentaires 2"/>
+          <p:cNvSpPr>
+            <a:spLocks noGrp="1"/>
+          </p:cNvSpPr>
+          <p:nvPr>
+            <p:ph type="body" idx="1"/>
+          </p:nvPr>
+        </p:nvSpPr>
+        <p:spPr/>
+        <p:txBody>
+          <a:bodyPr/>
+          <a:lstStyle/>
+          <a:p>
+            <a:r>
+              <a:rPr lang="fr-FR" smtClean="0"/>
+              <a:t>Actuel</a:t>
+            </a:r>
+            <a:r>
+              <a:rPr lang="fr-FR" baseline="0" smtClean="0"/>
+              <a:t> : </a:t>
+            </a:r>
+          </a:p>
+          <a:p>
+            <a:r>
+              <a:rPr lang="fr-FR" baseline="0" smtClean="0"/>
+              <a:t>Objet network interface </a:t>
+            </a:r>
+            <a:r>
+              <a:rPr lang="fr-FR" baseline="0" smtClean="0">
+                <a:sym typeface="Wingdings"/>
+              </a:rPr>
+              <a:t> récupération info superviseur</a:t>
+            </a:r>
+          </a:p>
+          <a:p>
+            <a:r>
+              <a:rPr lang="fr-FR" baseline="0" smtClean="0">
+                <a:sym typeface="Wingdings"/>
+              </a:rPr>
+              <a:t>Avec ces infos Lancer Nmap  Traiter résultats  Afficher les utilisateurs</a:t>
+            </a:r>
+          </a:p>
+          <a:p>
+            <a:r>
+              <a:rPr lang="fr-FR" baseline="0" smtClean="0">
+                <a:sym typeface="Wingdings"/>
+              </a:rPr>
+              <a:t>Problème  Affichage users sans serveur  pas de surveillance possible</a:t>
+            </a:r>
+          </a:p>
+          <a:p>
+            <a:endParaRPr lang="fr-FR" baseline="0" smtClean="0">
+              <a:sym typeface="Wingdings"/>
+            </a:endParaRPr>
+          </a:p>
+          <a:p>
+            <a:r>
+              <a:rPr lang="fr-FR" baseline="0" smtClean="0">
+                <a:sym typeface="Wingdings"/>
+              </a:rPr>
+              <a:t>Mieux: </a:t>
+            </a:r>
+          </a:p>
+          <a:p>
+            <a:r>
+              <a:rPr lang="fr-FR" baseline="0" smtClean="0">
+                <a:sym typeface="Wingdings"/>
+              </a:rPr>
+              <a:t>Test  Qui a le serveur installé? -&gt; afficher que ceux-ci</a:t>
+            </a:r>
+          </a:p>
+          <a:p>
+            <a:r>
+              <a:rPr lang="fr-FR" baseline="0" smtClean="0">
+                <a:sym typeface="Wingdings"/>
+              </a:rPr>
+              <a:t>Détection  test sur le active du serveur du user en cours sur la machine</a:t>
+            </a:r>
+          </a:p>
+        </p:txBody>
+      </p:sp>
+      <p:sp>
+        <p:nvSpPr>
+          <p:cNvPr id="4" name="Espace réservé du numéro de diapositive 3"/>
+          <p:cNvSpPr>
+            <a:spLocks noGrp="1"/>
+          </p:cNvSpPr>
+          <p:nvPr>
+            <p:ph type="sldNum" sz="quarter" idx="10"/>
+          </p:nvPr>
+        </p:nvSpPr>
+        <p:spPr/>
+        <p:txBody>
+          <a:bodyPr/>
+          <a:lstStyle/>
+          <a:p>
+            <a:fld id="{54BB6C2C-812B-4891-897C-4C29155E9E7C}" type="slidenum">
+              <a:rPr lang="fr-CH" smtClean="0"/>
+              <a:t>10</a:t>
+            </a:fld>
+            <a:endParaRPr lang="fr-CH"/>
+          </a:p>
+        </p:txBody>
+      </p:sp>
+    </p:spTree>
+    <p:extLst>
+      <p:ext uri="{BB962C8B-B14F-4D97-AF65-F5344CB8AC3E}">
+        <p14:creationId xmlns:p14="http://schemas.microsoft.com/office/powerpoint/2010/main" val="4215694734"/>
+      </p:ext>
+    </p:extLst>
+  </p:cSld>
+  <p:clrMapOvr>
+    <a:masterClrMapping/>
+  </p:clrMapOvr>
+</p:notes>
+</file>
+
+<file path=ppt/notesSlides/notesSlide11.xml><?xml version="1.0" encoding="utf-8"?>
+<p:notes xmlns:a="http://schemas.openxmlformats.org/drawingml/2006/main" xmlns:r="http://schemas.openxmlformats.org/officeDocument/2006/relationships" xmlns:p="http://schemas.openxmlformats.org/presentationml/2006/main">
+  <p:cSld>
+    <p:spTree>
+      <p:nvGrpSpPr>
+        <p:cNvPr id="1" name=""/>
+        <p:cNvGrpSpPr/>
+        <p:nvPr/>
+      </p:nvGrpSpPr>
+      <p:grpSpPr>
+        <a:xfrm>
+          <a:off x="0" y="0"/>
+          <a:ext cx="0" cy="0"/>
+          <a:chOff x="0" y="0"/>
+          <a:chExt cx="0" cy="0"/>
+        </a:xfrm>
+      </p:grpSpPr>
+      <p:sp>
+        <p:nvSpPr>
+          <p:cNvPr id="2" name="Espace réservé de l'image des diapositives 1"/>
+          <p:cNvSpPr>
+            <a:spLocks noGrp="1" noRot="1" noChangeAspect="1"/>
+          </p:cNvSpPr>
+          <p:nvPr>
+            <p:ph type="sldImg"/>
+          </p:nvPr>
+        </p:nvSpPr>
+        <p:spPr/>
+      </p:sp>
+      <p:sp>
+        <p:nvSpPr>
+          <p:cNvPr id="3" name="Espace réservé des commentaires 2"/>
+          <p:cNvSpPr>
+            <a:spLocks noGrp="1"/>
+          </p:cNvSpPr>
+          <p:nvPr>
+            <p:ph type="body" idx="1"/>
+          </p:nvPr>
+        </p:nvSpPr>
+        <p:spPr/>
+        <p:txBody>
+          <a:bodyPr/>
+          <a:lstStyle/>
+          <a:p>
+            <a:r>
+              <a:rPr lang="fr-FR" smtClean="0"/>
+              <a:t>IHM</a:t>
+            </a:r>
+            <a:r>
+              <a:rPr lang="fr-FR" baseline="0" smtClean="0"/>
+              <a:t> superviseur:</a:t>
+            </a:r>
+          </a:p>
+          <a:p>
+            <a:r>
+              <a:rPr lang="fr-FR" baseline="0" smtClean="0"/>
+              <a:t>Infos utilisateur </a:t>
+            </a:r>
+            <a:r>
+              <a:rPr lang="fr-FR" baseline="0" smtClean="0">
+                <a:sym typeface="Wingdings"/>
+              </a:rPr>
+              <a:t> Modifier</a:t>
+            </a:r>
+          </a:p>
+          <a:p>
+            <a:r>
+              <a:rPr lang="fr-FR" baseline="0" smtClean="0">
+                <a:sym typeface="Wingdings"/>
+              </a:rPr>
+              <a:t>Graphique secteur  1 secteur = temps passé sur une activité </a:t>
+            </a:r>
+          </a:p>
+          <a:p>
+            <a:r>
+              <a:rPr lang="fr-FR" baseline="0" smtClean="0">
+                <a:sym typeface="Wingdings"/>
+              </a:rPr>
+              <a:t>Graphique Barre  1 Barre = temps passé par heure de la journée  12:00  45 minutes</a:t>
+            </a:r>
+          </a:p>
+          <a:p>
+            <a:r>
+              <a:rPr lang="fr-FR" baseline="0" smtClean="0">
+                <a:sym typeface="Wingdings"/>
+              </a:rPr>
+              <a:t>Objectifs  En rouge  temps passé, vert temps restant  Longueur barre = 24h  Activer ou désactiver </a:t>
+            </a:r>
+          </a:p>
+          <a:p>
+            <a:endParaRPr lang="fr-FR" baseline="0" smtClean="0">
+              <a:sym typeface="Wingdings"/>
+            </a:endParaRPr>
+          </a:p>
+          <a:p>
+            <a:r>
+              <a:rPr lang="fr-FR" baseline="0" smtClean="0">
+                <a:sym typeface="Wingdings"/>
+              </a:rPr>
+              <a:t>Voir que les activités des utilisateurs actifs au même moment  sinon pas requete sur le serveur</a:t>
+            </a:r>
+          </a:p>
+          <a:p>
+            <a:endParaRPr lang="fr-FR" baseline="0" smtClean="0">
+              <a:sym typeface="Wingdings"/>
+            </a:endParaRPr>
+          </a:p>
+          <a:p>
+            <a:r>
+              <a:rPr lang="fr-FR" baseline="0" smtClean="0">
+                <a:sym typeface="Wingdings"/>
+              </a:rPr>
+              <a:t>Dans le futur  Affichage par semaine, mois et année</a:t>
+            </a:r>
+            <a:r>
+              <a:rPr lang="mr-IN" baseline="0" smtClean="0">
+                <a:sym typeface="Wingdings"/>
+              </a:rPr>
+              <a:t>…</a:t>
+            </a:r>
+            <a:r>
+              <a:rPr lang="fr-CH" baseline="0" smtClean="0">
+                <a:sym typeface="Wingdings"/>
+              </a:rPr>
+              <a:t> (Re refléchir à l’échelle du graphique à barre)</a:t>
+            </a:r>
+            <a:endParaRPr lang="fr-FR" baseline="0" smtClean="0">
+              <a:sym typeface="Wingdings"/>
+            </a:endParaRPr>
+          </a:p>
+        </p:txBody>
+      </p:sp>
+      <p:sp>
+        <p:nvSpPr>
+          <p:cNvPr id="4" name="Espace réservé du numéro de diapositive 3"/>
+          <p:cNvSpPr>
+            <a:spLocks noGrp="1"/>
+          </p:cNvSpPr>
+          <p:nvPr>
+            <p:ph type="sldNum" sz="quarter" idx="10"/>
+          </p:nvPr>
+        </p:nvSpPr>
+        <p:spPr/>
+        <p:txBody>
+          <a:bodyPr/>
+          <a:lstStyle/>
+          <a:p>
+            <a:fld id="{54BB6C2C-812B-4891-897C-4C29155E9E7C}" type="slidenum">
+              <a:rPr lang="fr-CH" smtClean="0"/>
+              <a:t>11</a:t>
+            </a:fld>
+            <a:endParaRPr lang="fr-CH"/>
+          </a:p>
+        </p:txBody>
+      </p:sp>
+    </p:spTree>
+    <p:extLst>
+      <p:ext uri="{BB962C8B-B14F-4D97-AF65-F5344CB8AC3E}">
+        <p14:creationId xmlns:p14="http://schemas.microsoft.com/office/powerpoint/2010/main" val="234892363"/>
+      </p:ext>
+    </p:extLst>
+  </p:cSld>
+  <p:clrMapOvr>
+    <a:masterClrMapping/>
+  </p:clrMapOvr>
+</p:notes>
+</file>
+
+<file path=ppt/notesSlides/notesSlide12.xml><?xml version="1.0" encoding="utf-8"?>
+<p:notes xmlns:a="http://schemas.openxmlformats.org/drawingml/2006/main" xmlns:r="http://schemas.openxmlformats.org/officeDocument/2006/relationships" xmlns:p="http://schemas.openxmlformats.org/presentationml/2006/main">
+  <p:cSld>
+    <p:spTree>
+      <p:nvGrpSpPr>
+        <p:cNvPr id="1" name=""/>
+        <p:cNvGrpSpPr/>
+        <p:nvPr/>
+      </p:nvGrpSpPr>
+      <p:grpSpPr>
+        <a:xfrm>
+          <a:off x="0" y="0"/>
+          <a:ext cx="0" cy="0"/>
+          <a:chOff x="0" y="0"/>
+          <a:chExt cx="0" cy="0"/>
+        </a:xfrm>
+      </p:grpSpPr>
+      <p:sp>
+        <p:nvSpPr>
+          <p:cNvPr id="2" name="Espace réservé de l'image des diapositives 1"/>
+          <p:cNvSpPr>
+            <a:spLocks noGrp="1" noRot="1" noChangeAspect="1"/>
+          </p:cNvSpPr>
+          <p:nvPr>
+            <p:ph type="sldImg"/>
+          </p:nvPr>
+        </p:nvSpPr>
+        <p:spPr/>
+      </p:sp>
+      <p:sp>
+        <p:nvSpPr>
+          <p:cNvPr id="3" name="Espace réservé des commentaires 2"/>
+          <p:cNvSpPr>
+            <a:spLocks noGrp="1"/>
+          </p:cNvSpPr>
+          <p:nvPr>
+            <p:ph type="body" idx="1"/>
+          </p:nvPr>
+        </p:nvSpPr>
+        <p:spPr/>
+        <p:txBody>
+          <a:bodyPr/>
+          <a:lstStyle/>
+          <a:p>
+            <a:r>
+              <a:rPr lang="fr-FR" smtClean="0"/>
+              <a:t>Webstore </a:t>
+            </a:r>
+            <a:r>
+              <a:rPr lang="fr-FR" smtClean="0">
+                <a:sym typeface="Wingdings"/>
+              </a:rPr>
+              <a:t> compte google payant</a:t>
+            </a:r>
+            <a:endParaRPr lang="fr-FR" baseline="0" smtClean="0">
+              <a:sym typeface="Wingdings"/>
+            </a:endParaRPr>
+          </a:p>
+          <a:p>
+            <a:endParaRPr lang="fr-FR" baseline="0" smtClean="0">
+              <a:sym typeface="Wingdings"/>
+            </a:endParaRPr>
+          </a:p>
+          <a:p>
+            <a:r>
+              <a:rPr lang="fr-FR" baseline="0" smtClean="0">
+                <a:sym typeface="Wingdings"/>
+              </a:rPr>
+              <a:t>Install en service  Package node js pour le faire</a:t>
+            </a:r>
+          </a:p>
+        </p:txBody>
+      </p:sp>
+      <p:sp>
+        <p:nvSpPr>
+          <p:cNvPr id="4" name="Espace réservé du numéro de diapositive 3"/>
+          <p:cNvSpPr>
+            <a:spLocks noGrp="1"/>
+          </p:cNvSpPr>
+          <p:nvPr>
+            <p:ph type="sldNum" sz="quarter" idx="10"/>
+          </p:nvPr>
+        </p:nvSpPr>
+        <p:spPr/>
+        <p:txBody>
+          <a:bodyPr/>
+          <a:lstStyle/>
+          <a:p>
+            <a:fld id="{54BB6C2C-812B-4891-897C-4C29155E9E7C}" type="slidenum">
+              <a:rPr lang="fr-CH" smtClean="0"/>
+              <a:t>13</a:t>
+            </a:fld>
+            <a:endParaRPr lang="fr-CH"/>
+          </a:p>
+        </p:txBody>
+      </p:sp>
+    </p:spTree>
+    <p:extLst>
+      <p:ext uri="{BB962C8B-B14F-4D97-AF65-F5344CB8AC3E}">
+        <p14:creationId xmlns:p14="http://schemas.microsoft.com/office/powerpoint/2010/main" val="394634215"/>
+      </p:ext>
+    </p:extLst>
+  </p:cSld>
+  <p:clrMapOvr>
+    <a:masterClrMapping/>
+  </p:clrMapOvr>
+</p:notes>
+</file>
+
+<file path=ppt/notesSlides/notesSlide13.xml><?xml version="1.0" encoding="utf-8"?>
+<p:notes xmlns:a="http://schemas.openxmlformats.org/drawingml/2006/main" xmlns:r="http://schemas.openxmlformats.org/officeDocument/2006/relationships" xmlns:p="http://schemas.openxmlformats.org/presentationml/2006/main">
+  <p:cSld>
+    <p:spTree>
+      <p:nvGrpSpPr>
+        <p:cNvPr id="1" name=""/>
+        <p:cNvGrpSpPr/>
+        <p:nvPr/>
+      </p:nvGrpSpPr>
+      <p:grpSpPr>
+        <a:xfrm>
+          <a:off x="0" y="0"/>
+          <a:ext cx="0" cy="0"/>
+          <a:chOff x="0" y="0"/>
+          <a:chExt cx="0" cy="0"/>
+        </a:xfrm>
+      </p:grpSpPr>
+      <p:sp>
+        <p:nvSpPr>
+          <p:cNvPr id="2" name="Espace réservé de l'image des diapositives 1"/>
+          <p:cNvSpPr>
+            <a:spLocks noGrp="1" noRot="1" noChangeAspect="1"/>
+          </p:cNvSpPr>
+          <p:nvPr>
+            <p:ph type="sldImg"/>
+          </p:nvPr>
+        </p:nvSpPr>
+        <p:spPr/>
+      </p:sp>
+      <p:sp>
+        <p:nvSpPr>
+          <p:cNvPr id="3" name="Espace réservé des commentaires 2"/>
+          <p:cNvSpPr>
+            <a:spLocks noGrp="1"/>
+          </p:cNvSpPr>
+          <p:nvPr>
+            <p:ph type="body" idx="1"/>
+          </p:nvPr>
+        </p:nvSpPr>
+        <p:spPr/>
+        <p:txBody>
+          <a:bodyPr/>
+          <a:lstStyle/>
+          <a:p>
+            <a:r>
+              <a:rPr lang="en-US" smtClean="0"/>
+              <a:t>Améliorations de l’état actuel :</a:t>
+            </a:r>
+            <a:r>
+              <a:rPr lang="en-US" baseline="0" smtClean="0"/>
+              <a:t> - Affichage des stats en fonction d’une date (copie des jsons)</a:t>
+            </a:r>
+          </a:p>
+          <a:p>
+            <a:r>
+              <a:rPr lang="en-US" baseline="0" smtClean="0"/>
+              <a:t>                                                  - Précision des filtres de catégorisation</a:t>
+            </a:r>
+          </a:p>
+          <a:p>
+            <a:r>
+              <a:rPr lang="en-US" baseline="0" smtClean="0"/>
+              <a:t>                                                  - Rendre le système compatible (Windows et Mac)</a:t>
+            </a:r>
+          </a:p>
+          <a:p>
+            <a:r>
+              <a:rPr lang="en-US" baseline="0" smtClean="0"/>
+              <a:t>                                                  - Rendre l’IHM responsive</a:t>
+            </a:r>
+          </a:p>
+          <a:p>
+            <a:r>
+              <a:rPr lang="en-US" baseline="0" smtClean="0"/>
+              <a:t>                                                  - Améliorer le code (Factorisation, optimization, format des dates)</a:t>
+            </a:r>
+          </a:p>
+          <a:p>
+            <a:endParaRPr lang="en-US" baseline="0" smtClean="0"/>
+          </a:p>
+          <a:p>
+            <a:r>
+              <a:rPr lang="en-US" baseline="0" smtClean="0"/>
+              <a:t>Nouvelles fonctionnalités : - Gestion des autorisations de supervision</a:t>
+            </a:r>
+          </a:p>
+          <a:p>
+            <a:r>
+              <a:rPr lang="en-US" baseline="0" smtClean="0"/>
+              <a:t>                                            - Gestion de la semaine, mois, année</a:t>
+            </a:r>
+          </a:p>
+          <a:p>
+            <a:r>
+              <a:rPr lang="en-US" baseline="0" smtClean="0"/>
+              <a:t>                                            - Gestion des langues</a:t>
+            </a:r>
+          </a:p>
+          <a:p>
+            <a:pPr marL="0" marR="0" indent="0" algn="l" defTabSz="914400" rtl="0" eaLnBrk="1" fontAlgn="auto" latinLnBrk="0" hangingPunct="1">
+              <a:lnSpc>
+                <a:spcPct val="100000"/>
+              </a:lnSpc>
+              <a:spcBef>
+                <a:spcPts val="0"/>
+              </a:spcBef>
+              <a:spcAft>
+                <a:spcPts val="0"/>
+              </a:spcAft>
+              <a:buClrTx/>
+              <a:buSzTx/>
+              <a:buFontTx/>
+              <a:buNone/>
+              <a:tabLst/>
+              <a:defRPr/>
+            </a:pPr>
+            <a:r>
+              <a:rPr lang="en-US" baseline="0" smtClean="0"/>
+              <a:t>                                            - </a:t>
+            </a:r>
+            <a:r>
+              <a:rPr lang="en-US" baseline="0" smtClean="0"/>
+              <a:t>Système de récompenses</a:t>
+            </a:r>
+            <a:endParaRPr lang="en-US" baseline="0" smtClean="0"/>
+          </a:p>
+          <a:p>
+            <a:r>
+              <a:rPr lang="en-US" baseline="0" smtClean="0"/>
+              <a:t>                                            - Multiplateforme (également Linux)</a:t>
+            </a:r>
+          </a:p>
+          <a:p>
+            <a:r>
+              <a:rPr lang="en-US" baseline="0" smtClean="0"/>
+              <a:t>                                            - compatible mobile</a:t>
+            </a:r>
+          </a:p>
+          <a:p>
+            <a:r>
+              <a:rPr lang="en-US" baseline="0" smtClean="0"/>
+              <a:t>                                            - blacklist/whitelist depuis le superviseur</a:t>
+            </a:r>
+          </a:p>
+          <a:p>
+            <a:r>
+              <a:rPr lang="en-US" baseline="0" smtClean="0"/>
+              <a:t>                                            - envoi de notifications au superviseur</a:t>
+            </a:r>
+          </a:p>
+          <a:p>
+            <a:endParaRPr lang="en-US" baseline="0" smtClean="0"/>
+          </a:p>
+          <a:p>
+            <a:r>
+              <a:rPr lang="fr-CH" smtClean="0"/>
+              <a:t>https://cdn.pixabay.com/photo/2016/08/11/15/52/binoculars-1586004_640.png</a:t>
+            </a:r>
+            <a:endParaRPr lang="fr-CH"/>
+          </a:p>
+        </p:txBody>
+      </p:sp>
+      <p:sp>
+        <p:nvSpPr>
+          <p:cNvPr id="4" name="Espace réservé du numéro de diapositive 3"/>
+          <p:cNvSpPr>
+            <a:spLocks noGrp="1"/>
+          </p:cNvSpPr>
+          <p:nvPr>
+            <p:ph type="sldNum" sz="quarter" idx="10"/>
+          </p:nvPr>
+        </p:nvSpPr>
+        <p:spPr/>
+        <p:txBody>
+          <a:bodyPr/>
+          <a:lstStyle/>
+          <a:p>
+            <a:fld id="{54BB6C2C-812B-4891-897C-4C29155E9E7C}" type="slidenum">
+              <a:rPr lang="fr-CH" smtClean="0"/>
+              <a:t>14</a:t>
+            </a:fld>
+            <a:endParaRPr lang="fr-CH"/>
+          </a:p>
+        </p:txBody>
+      </p:sp>
+    </p:spTree>
+    <p:extLst>
+      <p:ext uri="{BB962C8B-B14F-4D97-AF65-F5344CB8AC3E}">
+        <p14:creationId xmlns:p14="http://schemas.microsoft.com/office/powerpoint/2010/main" val="4128758172"/>
+      </p:ext>
+    </p:extLst>
+  </p:cSld>
+  <p:clrMapOvr>
+    <a:masterClrMapping/>
+  </p:clrMapOvr>
+</p:notes>
+</file>
+
+<file path=ppt/notesSlides/notesSlide14.xml><?xml version="1.0" encoding="utf-8"?>
+<p:notes xmlns:a="http://schemas.openxmlformats.org/drawingml/2006/main" xmlns:r="http://schemas.openxmlformats.org/officeDocument/2006/relationships" xmlns:p="http://schemas.openxmlformats.org/presentationml/2006/main">
+  <p:cSld>
+    <p:spTree>
+      <p:nvGrpSpPr>
+        <p:cNvPr id="1" name=""/>
+        <p:cNvGrpSpPr/>
+        <p:nvPr/>
+      </p:nvGrpSpPr>
+      <p:grpSpPr>
+        <a:xfrm>
+          <a:off x="0" y="0"/>
+          <a:ext cx="0" cy="0"/>
+          <a:chOff x="0" y="0"/>
+          <a:chExt cx="0" cy="0"/>
+        </a:xfrm>
+      </p:grpSpPr>
+      <p:sp>
+        <p:nvSpPr>
+          <p:cNvPr id="2" name="Espace réservé de l'image des diapositives 1"/>
+          <p:cNvSpPr>
+            <a:spLocks noGrp="1" noRot="1" noChangeAspect="1"/>
+          </p:cNvSpPr>
+          <p:nvPr>
+            <p:ph type="sldImg"/>
+          </p:nvPr>
+        </p:nvSpPr>
+        <p:spPr/>
+      </p:sp>
+      <p:sp>
+        <p:nvSpPr>
+          <p:cNvPr id="3" name="Espace réservé des commentaires 2"/>
+          <p:cNvSpPr>
+            <a:spLocks noGrp="1"/>
+          </p:cNvSpPr>
+          <p:nvPr>
+            <p:ph type="body" idx="1"/>
+          </p:nvPr>
+        </p:nvSpPr>
+        <p:spPr/>
+        <p:txBody>
+          <a:bodyPr/>
+          <a:lstStyle/>
+          <a:p>
+            <a:r>
+              <a:rPr lang="en-US" smtClean="0"/>
+              <a:t>On ne</a:t>
+            </a:r>
+            <a:r>
+              <a:rPr lang="en-US" baseline="0" smtClean="0"/>
+              <a:t> peut qu’aimer ce projet bien évidemment</a:t>
+            </a:r>
+            <a:endParaRPr lang="en-US" smtClean="0"/>
+          </a:p>
+          <a:p>
+            <a:endParaRPr lang="en-US" smtClean="0"/>
+          </a:p>
+          <a:p>
+            <a:r>
+              <a:rPr lang="en-US" smtClean="0"/>
+              <a:t>Bonne entente au sein du groupe</a:t>
+            </a:r>
+          </a:p>
+          <a:p>
+            <a:r>
+              <a:rPr lang="en-US" smtClean="0"/>
+              <a:t>Compétences complémentaires  </a:t>
+            </a:r>
+            <a:r>
+              <a:rPr lang="en-US" smtClean="0">
+                <a:sym typeface="Wingdings" panose="05000000000000000000" pitchFamily="2" charset="2"/>
+              </a:rPr>
+              <a:t>  chacun a trouvé sa place, son domaine de travail</a:t>
+            </a:r>
+          </a:p>
+          <a:p>
+            <a:r>
+              <a:rPr lang="en-US" smtClean="0">
+                <a:sym typeface="Wingdings" panose="05000000000000000000" pitchFamily="2" charset="2"/>
+              </a:rPr>
+              <a:t>Nature</a:t>
+            </a:r>
+            <a:r>
+              <a:rPr lang="en-US" baseline="0" smtClean="0">
+                <a:sym typeface="Wingdings" panose="05000000000000000000" pitchFamily="2" charset="2"/>
+              </a:rPr>
+              <a:t> variée du projet (IHM, REST API, gestion des utilisateurs, logique de détection)</a:t>
+            </a:r>
+          </a:p>
+          <a:p>
+            <a:endParaRPr lang="en-US" baseline="0" smtClean="0">
+              <a:sym typeface="Wingdings" panose="05000000000000000000" pitchFamily="2" charset="2"/>
+            </a:endParaRPr>
+          </a:p>
+          <a:p>
+            <a:r>
+              <a:rPr lang="fr-CH" smtClean="0"/>
+              <a:t>http://www.lokalepolitie.be/files/5428/attachments/bb25f28372ea2b45e54b324efff50be8.png</a:t>
+            </a:r>
+            <a:endParaRPr lang="fr-CH"/>
+          </a:p>
+        </p:txBody>
+      </p:sp>
+      <p:sp>
+        <p:nvSpPr>
+          <p:cNvPr id="4" name="Espace réservé du numéro de diapositive 3"/>
+          <p:cNvSpPr>
+            <a:spLocks noGrp="1"/>
+          </p:cNvSpPr>
+          <p:nvPr>
+            <p:ph type="sldNum" sz="quarter" idx="10"/>
+          </p:nvPr>
+        </p:nvSpPr>
+        <p:spPr/>
+        <p:txBody>
+          <a:bodyPr/>
+          <a:lstStyle/>
+          <a:p>
+            <a:fld id="{54BB6C2C-812B-4891-897C-4C29155E9E7C}" type="slidenum">
+              <a:rPr lang="fr-CH" smtClean="0"/>
+              <a:t>15</a:t>
+            </a:fld>
+            <a:endParaRPr lang="fr-CH"/>
+          </a:p>
+        </p:txBody>
+      </p:sp>
+    </p:spTree>
+    <p:extLst>
+      <p:ext uri="{BB962C8B-B14F-4D97-AF65-F5344CB8AC3E}">
+        <p14:creationId xmlns:p14="http://schemas.microsoft.com/office/powerpoint/2010/main" val="2112067353"/>
+      </p:ext>
+    </p:extLst>
+  </p:cSld>
+  <p:clrMapOvr>
+    <a:masterClrMapping/>
+  </p:clrMapOvr>
+</p:notes>
+</file>
+
+<file path=ppt/notesSlides/notesSlide15.xml><?xml version="1.0" encoding="utf-8"?>
+<p:notes xmlns:a="http://schemas.openxmlformats.org/drawingml/2006/main" xmlns:r="http://schemas.openxmlformats.org/officeDocument/2006/relationships" xmlns:p="http://schemas.openxmlformats.org/presentationml/2006/main">
+  <p:cSld>
+    <p:spTree>
+      <p:nvGrpSpPr>
+        <p:cNvPr id="1" name=""/>
+        <p:cNvGrpSpPr/>
+        <p:nvPr/>
+      </p:nvGrpSpPr>
+      <p:grpSpPr>
+        <a:xfrm>
+          <a:off x="0" y="0"/>
+          <a:ext cx="0" cy="0"/>
+          <a:chOff x="0" y="0"/>
+          <a:chExt cx="0" cy="0"/>
+        </a:xfrm>
+      </p:grpSpPr>
+      <p:sp>
+        <p:nvSpPr>
+          <p:cNvPr id="2" name="Espace réservé de l'image des diapositives 1"/>
+          <p:cNvSpPr>
+            <a:spLocks noGrp="1" noRot="1" noChangeAspect="1"/>
+          </p:cNvSpPr>
+          <p:nvPr>
+            <p:ph type="sldImg"/>
+          </p:nvPr>
+        </p:nvSpPr>
+        <p:spPr/>
+      </p:sp>
+      <p:sp>
+        <p:nvSpPr>
+          <p:cNvPr id="3" name="Espace réservé des commentaires 2"/>
+          <p:cNvSpPr>
+            <a:spLocks noGrp="1"/>
+          </p:cNvSpPr>
+          <p:nvPr>
+            <p:ph type="body" idx="1"/>
+          </p:nvPr>
+        </p:nvSpPr>
+        <p:spPr/>
+        <p:txBody>
+          <a:bodyPr/>
+          <a:lstStyle/>
+          <a:p>
+            <a:r>
+              <a:rPr lang="fr-CH" smtClean="0"/>
+              <a:t>https://www.boardvitals.com/wp-content/uploads/2015/09/unnamed-14.png</a:t>
+            </a:r>
+            <a:endParaRPr lang="fr-CH"/>
+          </a:p>
+        </p:txBody>
+      </p:sp>
+      <p:sp>
+        <p:nvSpPr>
+          <p:cNvPr id="4" name="Espace réservé du numéro de diapositive 3"/>
+          <p:cNvSpPr>
+            <a:spLocks noGrp="1"/>
+          </p:cNvSpPr>
+          <p:nvPr>
+            <p:ph type="sldNum" sz="quarter" idx="10"/>
+          </p:nvPr>
+        </p:nvSpPr>
+        <p:spPr/>
+        <p:txBody>
+          <a:bodyPr/>
+          <a:lstStyle/>
+          <a:p>
+            <a:fld id="{54BB6C2C-812B-4891-897C-4C29155E9E7C}" type="slidenum">
+              <a:rPr lang="fr-CH" smtClean="0"/>
+              <a:t>16</a:t>
+            </a:fld>
+            <a:endParaRPr lang="fr-CH"/>
+          </a:p>
+        </p:txBody>
+      </p:sp>
+    </p:spTree>
+    <p:extLst>
+      <p:ext uri="{BB962C8B-B14F-4D97-AF65-F5344CB8AC3E}">
+        <p14:creationId xmlns:p14="http://schemas.microsoft.com/office/powerpoint/2010/main" val="1432950036"/>
+      </p:ext>
+    </p:extLst>
+  </p:cSld>
+  <p:clrMapOvr>
+    <a:masterClrMapping/>
+  </p:clrMapOvr>
+</p:notes>
+</file>
+
 <file path=ppt/notesSlides/notesSlide2.xml><?xml version="1.0" encoding="utf-8"?>
 <p:notes xmlns:a="http://schemas.openxmlformats.org/drawingml/2006/main" xmlns:r="http://schemas.openxmlformats.org/officeDocument/2006/relationships" xmlns:p="http://schemas.openxmlformats.org/presentationml/2006/main">
   <p:cSld>
@@ -606,46 +1463,51 @@
           <a:lstStyle/>
           <a:p>
             <a:r>
-              <a:rPr lang="fr-CH" smtClean="0"/>
-              <a:t>https://images.g2crowd.com/uploads/product/image/social_landscape/social_landscape_1513182511/webstorm.png</a:t>
-            </a:r>
-          </a:p>
-          <a:p>
-            <a:r>
-              <a:rPr lang="fr-CH" smtClean="0"/>
-              <a:t>https://www.developersindia.in/wp-content/uploads/2017/05/IntelliJIDEA_icon.png</a:t>
-            </a:r>
-          </a:p>
-          <a:p>
-            <a:r>
-              <a:rPr lang="fr-CH" smtClean="0"/>
-              <a:t>https://www.notebookcheck.net/fileadmin/Notebooks/News/_nc3/20170817_Google_Chrome_logo_vector_download.png</a:t>
-            </a:r>
-          </a:p>
-          <a:p>
-            <a:r>
-              <a:rPr lang="fr-CH" smtClean="0"/>
-              <a:t>https://upload.wikimedia.org/wikipedia/commons/thumb/d/d9/Node.js_logo.svg/1200px-Node.js_logo.svg.png</a:t>
-            </a:r>
-          </a:p>
-          <a:p>
-            <a:r>
-              <a:rPr lang="fr-CH" smtClean="0"/>
-              <a:t>https://cdn-images-1.medium.com/max/1600/1*DVki0FvyhmyFCkcPPuhMCw.png</a:t>
-            </a:r>
-          </a:p>
-          <a:p>
-            <a:r>
-              <a:rPr lang="fr-CH" smtClean="0"/>
-              <a:t>https://upload.wikimedia.org/wikipedia/commons/thumb/c/c9/JSON_vector_logo.svg/1024px-JSON_vector_logo.svg.png</a:t>
-            </a:r>
-          </a:p>
-          <a:p>
-            <a:r>
-              <a:rPr lang="fr-CH" smtClean="0"/>
-              <a:t>https://lankydanblog.files.wordpress.com/2017/01/javafx.png?w=591</a:t>
-            </a:r>
-            <a:endParaRPr lang="fr-CH"/>
+              <a:rPr lang="fr-FR" smtClean="0"/>
+              <a:t>SAS</a:t>
+            </a:r>
+            <a:r>
+              <a:rPr lang="fr-FR" baseline="0" smtClean="0"/>
+              <a:t> = Surveillance, Addiction, Soutien</a:t>
+            </a:r>
+            <a:endParaRPr lang="fr-FR" smtClean="0"/>
+          </a:p>
+          <a:p>
+            <a:endParaRPr lang="fr-FR" smtClean="0"/>
+          </a:p>
+          <a:p>
+            <a:r>
+              <a:rPr lang="fr-FR" smtClean="0"/>
+              <a:t>7%</a:t>
+            </a:r>
+            <a:r>
+              <a:rPr lang="fr-FR" baseline="0" smtClean="0"/>
+              <a:t> des 15-19 ans problème trop utilisation des jeux et réseaux sociaux (desktop ou en ligne)</a:t>
+            </a:r>
+          </a:p>
+          <a:p>
+            <a:endParaRPr lang="fr-FR" baseline="0" smtClean="0"/>
+          </a:p>
+          <a:p>
+            <a:r>
+              <a:rPr lang="fr-FR" baseline="0" smtClean="0"/>
+              <a:t>Monitorer + mettre en valeur les résultats du monitoring</a:t>
+            </a:r>
+          </a:p>
+          <a:p>
+            <a:endParaRPr lang="fr-FR" baseline="0" smtClean="0"/>
+          </a:p>
+          <a:p>
+            <a:r>
+              <a:rPr lang="fr-FR" baseline="0" smtClean="0"/>
+              <a:t>Ne pas interdire </a:t>
+            </a:r>
+            <a:r>
+              <a:rPr lang="fr-FR" baseline="0" smtClean="0">
+                <a:sym typeface="Wingdings"/>
+              </a:rPr>
+              <a:t> Redonner le contrôle</a:t>
+            </a:r>
           </a:p>
         </p:txBody>
       </p:sp>
@@ -666,7 +1528,7 @@
           <a:p>
             <a:fld id="{54BB6C2C-812B-4891-897C-4C29155E9E7C}" type="slidenum">
               <a:rPr lang="fr-CH" smtClean="0"/>
-              <a:t>3</a:t>
+              <a:t>2</a:t>
             </a:fld>
             <a:endParaRPr lang="fr-CH"/>
           </a:p>
@@ -675,7 +1537,7 @@
     </p:spTree>
     <p:extLst>
       <p:ext uri="{BB962C8B-B14F-4D97-AF65-F5344CB8AC3E}">
-        <p14:creationId xmlns:p14="http://schemas.microsoft.com/office/powerpoint/2010/main" val="3282906070"/>
+        <p14:creationId xmlns:p14="http://schemas.microsoft.com/office/powerpoint/2010/main" val="2792610185"/>
       </p:ext>
     </p:extLst>
   </p:cSld>
@@ -730,8 +1592,845 @@
           <a:lstStyle/>
           <a:p>
             <a:r>
+              <a:rPr lang="fr-FR" smtClean="0"/>
+              <a:t>Application</a:t>
+            </a:r>
+            <a:r>
+              <a:rPr lang="fr-FR" baseline="0" smtClean="0"/>
+              <a:t> utilisateur à droite</a:t>
+            </a:r>
+          </a:p>
+          <a:p>
+            <a:r>
+              <a:rPr lang="fr-FR" baseline="0" smtClean="0"/>
+              <a:t>Extension chrome </a:t>
+            </a:r>
+            <a:r>
+              <a:rPr lang="fr-FR" baseline="0" smtClean="0">
+                <a:sym typeface="Wingdings"/>
+              </a:rPr>
+              <a:t> activité web</a:t>
+            </a:r>
+          </a:p>
+          <a:p>
+            <a:r>
+              <a:rPr lang="fr-FR" baseline="0" smtClean="0">
+                <a:sym typeface="Wingdings"/>
+              </a:rPr>
+              <a:t>Node JS  Serveur activité desktop, et met a dispo les infos du user</a:t>
+            </a:r>
+          </a:p>
+          <a:p>
+            <a:r>
+              <a:rPr lang="fr-FR" baseline="0" smtClean="0">
+                <a:sym typeface="Wingdings"/>
+              </a:rPr>
+              <a:t>JavaFX  Affichage de ses informations</a:t>
+            </a:r>
+          </a:p>
+          <a:p>
+            <a:endParaRPr lang="fr-FR" baseline="0" smtClean="0">
+              <a:sym typeface="Wingdings"/>
+            </a:endParaRPr>
+          </a:p>
+          <a:p>
+            <a:r>
+              <a:rPr lang="fr-FR" baseline="0" smtClean="0">
+                <a:sym typeface="Wingdings"/>
+              </a:rPr>
+              <a:t>Application Superviseur </a:t>
+            </a:r>
+          </a:p>
+          <a:p>
+            <a:r>
+              <a:rPr lang="fr-FR" baseline="0" smtClean="0">
+                <a:sym typeface="Wingdings"/>
+              </a:rPr>
+              <a:t>Javax FX  Affichage des informations des utilisateurs, recherche des utilisateur du même réseau local</a:t>
+            </a:r>
+          </a:p>
+          <a:p>
+            <a:endParaRPr lang="fr-FR" baseline="0" smtClean="0">
+              <a:sym typeface="Wingdings"/>
+            </a:endParaRPr>
+          </a:p>
+          <a:p>
+            <a:r>
+              <a:rPr lang="fr-FR" baseline="0" smtClean="0">
+                <a:sym typeface="Wingdings"/>
+              </a:rPr>
+              <a:t>Communication par HTTP</a:t>
+            </a:r>
+            <a:endParaRPr lang="fr-FR" baseline="0" dirty="0" smtClean="0">
+              <a:sym typeface="Wingdings"/>
+            </a:endParaRPr>
+          </a:p>
+        </p:txBody>
+      </p:sp>
+      <p:sp>
+        <p:nvSpPr>
+          <p:cNvPr id="4" name="Espace réservé du numéro de diapositive 3"/>
+          <p:cNvSpPr>
+            <a:spLocks noGrp="1"/>
+          </p:cNvSpPr>
+          <p:nvPr>
+            <p:ph type="sldNum" sz="quarter" idx="10"/>
+          </p:nvPr>
+        </p:nvSpPr>
+        <p:spPr/>
+        <p:txBody>
+          <a:bodyPr/>
+          <a:lstStyle/>
+          <a:p>
+            <a:fld id="{54BB6C2C-812B-4891-897C-4C29155E9E7C}" type="slidenum">
               <a:rPr lang="fr-CH" smtClean="0"/>
-              <a:t>https://www.igdb.com/preview_image.png</a:t>
+              <a:t>3</a:t>
+            </a:fld>
+            <a:endParaRPr lang="fr-CH"/>
+          </a:p>
+        </p:txBody>
+      </p:sp>
+    </p:spTree>
+    <p:extLst>
+      <p:ext uri="{BB962C8B-B14F-4D97-AF65-F5344CB8AC3E}">
+        <p14:creationId xmlns:p14="http://schemas.microsoft.com/office/powerpoint/2010/main" val="3100266527"/>
+      </p:ext>
+    </p:extLst>
+  </p:cSld>
+  <p:clrMapOvr>
+    <a:masterClrMapping/>
+  </p:clrMapOvr>
+</p:notes>
+</file>
+
+<file path=ppt/notesSlides/notesSlide4.xml><?xml version="1.0" encoding="utf-8"?>
+<p:notes xmlns:a="http://schemas.openxmlformats.org/drawingml/2006/main" xmlns:r="http://schemas.openxmlformats.org/officeDocument/2006/relationships" xmlns:p="http://schemas.openxmlformats.org/presentationml/2006/main">
+  <p:cSld>
+    <p:spTree>
+      <p:nvGrpSpPr>
+        <p:cNvPr id="1" name=""/>
+        <p:cNvGrpSpPr/>
+        <p:nvPr/>
+      </p:nvGrpSpPr>
+      <p:grpSpPr>
+        <a:xfrm>
+          <a:off x="0" y="0"/>
+          <a:ext cx="0" cy="0"/>
+          <a:chOff x="0" y="0"/>
+          <a:chExt cx="0" cy="0"/>
+        </a:xfrm>
+      </p:grpSpPr>
+      <p:sp>
+        <p:nvSpPr>
+          <p:cNvPr id="2" name="Espace réservé de l'image des diapositives 1"/>
+          <p:cNvSpPr>
+            <a:spLocks noGrp="1" noRot="1" noChangeAspect="1"/>
+          </p:cNvSpPr>
+          <p:nvPr>
+            <p:ph type="sldImg"/>
+          </p:nvPr>
+        </p:nvSpPr>
+        <p:spPr/>
+      </p:sp>
+      <p:sp>
+        <p:nvSpPr>
+          <p:cNvPr id="3" name="Espace réservé des commentaires 2"/>
+          <p:cNvSpPr>
+            <a:spLocks noGrp="1"/>
+          </p:cNvSpPr>
+          <p:nvPr>
+            <p:ph type="body" idx="1"/>
+          </p:nvPr>
+        </p:nvSpPr>
+        <p:spPr/>
+        <p:txBody>
+          <a:bodyPr/>
+          <a:lstStyle/>
+          <a:p>
+            <a:r>
+              <a:rPr lang="fr-CH" smtClean="0"/>
+              <a:t>IDE </a:t>
+            </a:r>
+            <a:r>
+              <a:rPr lang="fr-CH" smtClean="0">
+                <a:sym typeface="Wingdings"/>
+              </a:rPr>
+              <a:t> webstorm</a:t>
+            </a:r>
+            <a:r>
+              <a:rPr lang="fr-CH" baseline="0" smtClean="0">
+                <a:sym typeface="Wingdings"/>
+              </a:rPr>
+              <a:t> pour le serveur NODE JS et l’extension, intelliJ pour application java</a:t>
+            </a:r>
+          </a:p>
+          <a:p>
+            <a:endParaRPr lang="fr-CH" smtClean="0"/>
+          </a:p>
+          <a:p>
+            <a:r>
+              <a:rPr lang="fr-CH" smtClean="0"/>
+              <a:t>Chrome pour l’extension</a:t>
+            </a:r>
+          </a:p>
+          <a:p>
+            <a:r>
+              <a:rPr lang="fr-CH" smtClean="0"/>
+              <a:t>Json pour transfert des fichiers</a:t>
+            </a:r>
+            <a:endParaRPr lang="fr-CH" baseline="0" smtClean="0"/>
+          </a:p>
+          <a:p>
+            <a:r>
+              <a:rPr lang="fr-CH" baseline="0" smtClean="0"/>
+              <a:t>NPM (Node Package Manager) pour gérer les pacquet NODEJS</a:t>
+            </a:r>
+            <a:endParaRPr lang="fr-CH" smtClean="0"/>
+          </a:p>
+          <a:p>
+            <a:endParaRPr lang="fr-CH" smtClean="0"/>
+          </a:p>
+          <a:p>
+            <a:r>
+              <a:rPr lang="fr-CH" smtClean="0"/>
+              <a:t>https</a:t>
+            </a:r>
+            <a:r>
+              <a:rPr lang="fr-CH" smtClean="0"/>
+              <a:t>://images.g2crowd.com/uploads/product/image/social_landscape/social_landscape_1513182511/webstorm.png</a:t>
+            </a:r>
+          </a:p>
+          <a:p>
+            <a:r>
+              <a:rPr lang="fr-CH" smtClean="0"/>
+              <a:t>https://www.developersindia.in/wp-content/uploads/2017/05/IntelliJIDEA_icon.png</a:t>
+            </a:r>
+          </a:p>
+          <a:p>
+            <a:r>
+              <a:rPr lang="fr-CH" smtClean="0"/>
+              <a:t>https://www.notebookcheck.net/fileadmin/Notebooks/News/_nc3/20170817_Google_Chrome_logo_vector_download.png</a:t>
+            </a:r>
+          </a:p>
+          <a:p>
+            <a:r>
+              <a:rPr lang="fr-CH" smtClean="0"/>
+              <a:t>https://upload.wikimedia.org/wikipedia/commons/thumb/d/d9/Node.js_logo.svg/1200px-Node.js_logo.svg.png</a:t>
+            </a:r>
+          </a:p>
+          <a:p>
+            <a:r>
+              <a:rPr lang="fr-CH" smtClean="0"/>
+              <a:t>https://cdn-images-1.medium.com/max/1600/1*DVki0FvyhmyFCkcPPuhMCw.png</a:t>
+            </a:r>
+          </a:p>
+          <a:p>
+            <a:r>
+              <a:rPr lang="fr-CH" smtClean="0"/>
+              <a:t>https://upload.wikimedia.org/wikipedia/commons/thumb/c/c9/JSON_vector_logo.svg/1024px-JSON_vector_logo.svg.png</a:t>
+            </a:r>
+          </a:p>
+          <a:p>
+            <a:r>
+              <a:rPr lang="fr-CH" smtClean="0"/>
+              <a:t>https://lankydanblog.files.wordpress.com/2017/01/javafx.png?w=591</a:t>
+            </a:r>
+            <a:endParaRPr lang="fr-CH"/>
+          </a:p>
+        </p:txBody>
+      </p:sp>
+      <p:sp>
+        <p:nvSpPr>
+          <p:cNvPr id="4" name="Espace réservé du numéro de diapositive 3"/>
+          <p:cNvSpPr>
+            <a:spLocks noGrp="1"/>
+          </p:cNvSpPr>
+          <p:nvPr>
+            <p:ph type="sldNum" sz="quarter" idx="10"/>
+          </p:nvPr>
+        </p:nvSpPr>
+        <p:spPr/>
+        <p:txBody>
+          <a:bodyPr/>
+          <a:lstStyle/>
+          <a:p>
+            <a:fld id="{54BB6C2C-812B-4891-897C-4C29155E9E7C}" type="slidenum">
+              <a:rPr lang="fr-CH" smtClean="0"/>
+              <a:t>4</a:t>
+            </a:fld>
+            <a:endParaRPr lang="fr-CH"/>
+          </a:p>
+        </p:txBody>
+      </p:sp>
+    </p:spTree>
+    <p:extLst>
+      <p:ext uri="{BB962C8B-B14F-4D97-AF65-F5344CB8AC3E}">
+        <p14:creationId xmlns:p14="http://schemas.microsoft.com/office/powerpoint/2010/main" val="3282906070"/>
+      </p:ext>
+    </p:extLst>
+  </p:cSld>
+  <p:clrMapOvr>
+    <a:masterClrMapping/>
+  </p:clrMapOvr>
+</p:notes>
+</file>
+
+<file path=ppt/notesSlides/notesSlide5.xml><?xml version="1.0" encoding="utf-8"?>
+<p:notes xmlns:a="http://schemas.openxmlformats.org/drawingml/2006/main" xmlns:r="http://schemas.openxmlformats.org/officeDocument/2006/relationships" xmlns:p="http://schemas.openxmlformats.org/presentationml/2006/main">
+  <p:cSld>
+    <p:spTree>
+      <p:nvGrpSpPr>
+        <p:cNvPr id="1" name=""/>
+        <p:cNvGrpSpPr/>
+        <p:nvPr/>
+      </p:nvGrpSpPr>
+      <p:grpSpPr>
+        <a:xfrm>
+          <a:off x="0" y="0"/>
+          <a:ext cx="0" cy="0"/>
+          <a:chOff x="0" y="0"/>
+          <a:chExt cx="0" cy="0"/>
+        </a:xfrm>
+      </p:grpSpPr>
+      <p:sp>
+        <p:nvSpPr>
+          <p:cNvPr id="2" name="Espace réservé de l'image des diapositives 1"/>
+          <p:cNvSpPr>
+            <a:spLocks noGrp="1" noRot="1" noChangeAspect="1"/>
+          </p:cNvSpPr>
+          <p:nvPr>
+            <p:ph type="sldImg"/>
+          </p:nvPr>
+        </p:nvSpPr>
+        <p:spPr/>
+      </p:sp>
+      <p:sp>
+        <p:nvSpPr>
+          <p:cNvPr id="3" name="Espace réservé des commentaires 2"/>
+          <p:cNvSpPr>
+            <a:spLocks noGrp="1"/>
+          </p:cNvSpPr>
+          <p:nvPr>
+            <p:ph type="body" idx="1"/>
+          </p:nvPr>
+        </p:nvSpPr>
+        <p:spPr/>
+        <p:txBody>
+          <a:bodyPr/>
+          <a:lstStyle/>
+          <a:p>
+            <a:r>
+              <a:rPr lang="fr-FR" smtClean="0"/>
+              <a:t>Parcour</a:t>
+            </a:r>
+            <a:r>
+              <a:rPr lang="fr-FR" baseline="0" smtClean="0"/>
+              <a:t>s d’une donnée</a:t>
+            </a:r>
+          </a:p>
+          <a:p>
+            <a:r>
+              <a:rPr lang="fr-FR" baseline="0" smtClean="0"/>
+              <a:t>Web </a:t>
+            </a:r>
+            <a:r>
+              <a:rPr lang="fr-FR" baseline="0" smtClean="0">
+                <a:sym typeface="Wingdings"/>
+              </a:rPr>
+              <a:t> Extension  serveur</a:t>
+            </a:r>
+          </a:p>
+          <a:p>
+            <a:r>
+              <a:rPr lang="fr-FR" baseline="0" smtClean="0">
+                <a:sym typeface="Wingdings"/>
+              </a:rPr>
+              <a:t>Desktop  serveur</a:t>
+            </a:r>
+          </a:p>
+          <a:p>
+            <a:r>
+              <a:rPr lang="fr-FR" baseline="0" smtClean="0">
+                <a:sym typeface="Wingdings"/>
+              </a:rPr>
+              <a:t>Serveur  Merge  dans un fichier </a:t>
+            </a:r>
+          </a:p>
+          <a:p>
+            <a:r>
+              <a:rPr lang="fr-FR" baseline="0" smtClean="0">
+                <a:sym typeface="Wingdings"/>
+              </a:rPr>
+              <a:t>Serveur  Tri et écriture dans un Json </a:t>
+            </a:r>
+          </a:p>
+          <a:p>
+            <a:r>
+              <a:rPr lang="fr-FR" baseline="0" smtClean="0">
+                <a:sym typeface="Wingdings"/>
+              </a:rPr>
+              <a:t>JAVA  Requêtes HTTP  Affichage</a:t>
+            </a:r>
+            <a:endParaRPr lang="fr-FR" baseline="0" dirty="0" smtClean="0">
+              <a:sym typeface="Wingdings"/>
+            </a:endParaRPr>
+          </a:p>
+        </p:txBody>
+      </p:sp>
+      <p:sp>
+        <p:nvSpPr>
+          <p:cNvPr id="4" name="Espace réservé du numéro de diapositive 3"/>
+          <p:cNvSpPr>
+            <a:spLocks noGrp="1"/>
+          </p:cNvSpPr>
+          <p:nvPr>
+            <p:ph type="sldNum" sz="quarter" idx="10"/>
+          </p:nvPr>
+        </p:nvSpPr>
+        <p:spPr/>
+        <p:txBody>
+          <a:bodyPr/>
+          <a:lstStyle/>
+          <a:p>
+            <a:fld id="{54BB6C2C-812B-4891-897C-4C29155E9E7C}" type="slidenum">
+              <a:rPr lang="fr-CH" smtClean="0"/>
+              <a:t>5</a:t>
+            </a:fld>
+            <a:endParaRPr lang="fr-CH"/>
+          </a:p>
+        </p:txBody>
+      </p:sp>
+    </p:spTree>
+    <p:extLst>
+      <p:ext uri="{BB962C8B-B14F-4D97-AF65-F5344CB8AC3E}">
+        <p14:creationId xmlns:p14="http://schemas.microsoft.com/office/powerpoint/2010/main" val="609972427"/>
+      </p:ext>
+    </p:extLst>
+  </p:cSld>
+  <p:clrMapOvr>
+    <a:masterClrMapping/>
+  </p:clrMapOvr>
+</p:notes>
+</file>
+
+<file path=ppt/notesSlides/notesSlide6.xml><?xml version="1.0" encoding="utf-8"?>
+<p:notes xmlns:a="http://schemas.openxmlformats.org/drawingml/2006/main" xmlns:r="http://schemas.openxmlformats.org/officeDocument/2006/relationships" xmlns:p="http://schemas.openxmlformats.org/presentationml/2006/main">
+  <p:cSld>
+    <p:spTree>
+      <p:nvGrpSpPr>
+        <p:cNvPr id="1" name=""/>
+        <p:cNvGrpSpPr/>
+        <p:nvPr/>
+      </p:nvGrpSpPr>
+      <p:grpSpPr>
+        <a:xfrm>
+          <a:off x="0" y="0"/>
+          <a:ext cx="0" cy="0"/>
+          <a:chOff x="0" y="0"/>
+          <a:chExt cx="0" cy="0"/>
+        </a:xfrm>
+      </p:grpSpPr>
+      <p:sp>
+        <p:nvSpPr>
+          <p:cNvPr id="2" name="Espace réservé de l'image des diapositives 1"/>
+          <p:cNvSpPr>
+            <a:spLocks noGrp="1" noRot="1" noChangeAspect="1"/>
+          </p:cNvSpPr>
+          <p:nvPr>
+            <p:ph type="sldImg"/>
+          </p:nvPr>
+        </p:nvSpPr>
+        <p:spPr/>
+      </p:sp>
+      <p:sp>
+        <p:nvSpPr>
+          <p:cNvPr id="3" name="Espace réservé des commentaires 2"/>
+          <p:cNvSpPr>
+            <a:spLocks noGrp="1"/>
+          </p:cNvSpPr>
+          <p:nvPr>
+            <p:ph type="body" idx="1"/>
+          </p:nvPr>
+        </p:nvSpPr>
+        <p:spPr/>
+        <p:txBody>
+          <a:bodyPr/>
+          <a:lstStyle/>
+          <a:p>
+            <a:r>
+              <a:rPr lang="en-US" smtClean="0"/>
+              <a:t>Tasklist (Windows) et ps</a:t>
+            </a:r>
+            <a:r>
+              <a:rPr lang="en-US" baseline="0" smtClean="0"/>
+              <a:t> (Mac) pour lister les processus s’executant actuellement  </a:t>
+            </a:r>
+            <a:r>
+              <a:rPr lang="en-US" baseline="0" smtClean="0">
+                <a:sym typeface="Wingdings" panose="05000000000000000000" pitchFamily="2" charset="2"/>
+              </a:rPr>
+              <a:t>  beaucoup de bruit, peu d’informations utiles, dépendant du système d’exploitation</a:t>
+            </a:r>
+          </a:p>
+          <a:p>
+            <a:endParaRPr lang="en-US" baseline="0" smtClean="0">
+              <a:sym typeface="Wingdings" panose="05000000000000000000" pitchFamily="2" charset="2"/>
+            </a:endParaRPr>
+          </a:p>
+          <a:p>
+            <a:r>
+              <a:rPr lang="en-US" baseline="0" smtClean="0">
+                <a:sym typeface="Wingdings" panose="05000000000000000000" pitchFamily="2" charset="2"/>
+              </a:rPr>
+              <a:t>Recherche pour déterminer la fenêtre de focus    découverte du module active-win (active-windows ne fonctionne pas du tout)</a:t>
+            </a:r>
+          </a:p>
+          <a:p>
+            <a:endParaRPr lang="en-US" baseline="0" smtClean="0">
+              <a:sym typeface="Wingdings" panose="05000000000000000000" pitchFamily="2" charset="2"/>
+            </a:endParaRPr>
+          </a:p>
+          <a:p>
+            <a:r>
+              <a:rPr lang="en-US" baseline="0" smtClean="0">
+                <a:sym typeface="Wingdings" panose="05000000000000000000" pitchFamily="2" charset="2"/>
+              </a:rPr>
+              <a:t>Active-win    Détection de changement de focus et récupération des processus actifs</a:t>
+            </a:r>
+          </a:p>
+          <a:p>
+            <a:endParaRPr lang="en-US" baseline="0" smtClean="0">
+              <a:sym typeface="Wingdings" panose="05000000000000000000" pitchFamily="2" charset="2"/>
+            </a:endParaRPr>
+          </a:p>
+          <a:p>
+            <a:r>
+              <a:rPr lang="en-US" baseline="0" smtClean="0">
+                <a:sym typeface="Wingdings" panose="05000000000000000000" pitchFamily="2" charset="2"/>
+              </a:rPr>
+              <a:t>Détection lancée périodiquement toutes les seconds</a:t>
+            </a:r>
+          </a:p>
+          <a:p>
+            <a:endParaRPr lang="en-US" baseline="0" smtClean="0">
+              <a:sym typeface="Wingdings" panose="05000000000000000000" pitchFamily="2" charset="2"/>
+            </a:endParaRPr>
+          </a:p>
+          <a:p>
+            <a:r>
+              <a:rPr lang="en-US" baseline="0" smtClean="0"/>
+              <a:t>https://cdn1.iconfinder.com/data/icons/streamline-windows/60/cell-4-4-480.png</a:t>
+            </a:r>
+          </a:p>
+          <a:p>
+            <a:endParaRPr lang="fr-CH"/>
+          </a:p>
+        </p:txBody>
+      </p:sp>
+      <p:sp>
+        <p:nvSpPr>
+          <p:cNvPr id="4" name="Espace réservé du numéro de diapositive 3"/>
+          <p:cNvSpPr>
+            <a:spLocks noGrp="1"/>
+          </p:cNvSpPr>
+          <p:nvPr>
+            <p:ph type="sldNum" sz="quarter" idx="10"/>
+          </p:nvPr>
+        </p:nvSpPr>
+        <p:spPr/>
+        <p:txBody>
+          <a:bodyPr/>
+          <a:lstStyle/>
+          <a:p>
+            <a:fld id="{54BB6C2C-812B-4891-897C-4C29155E9E7C}" type="slidenum">
+              <a:rPr lang="fr-CH" smtClean="0"/>
+              <a:t>6</a:t>
+            </a:fld>
+            <a:endParaRPr lang="fr-CH"/>
+          </a:p>
+        </p:txBody>
+      </p:sp>
+    </p:spTree>
+    <p:extLst>
+      <p:ext uri="{BB962C8B-B14F-4D97-AF65-F5344CB8AC3E}">
+        <p14:creationId xmlns:p14="http://schemas.microsoft.com/office/powerpoint/2010/main" val="473605446"/>
+      </p:ext>
+    </p:extLst>
+  </p:cSld>
+  <p:clrMapOvr>
+    <a:masterClrMapping/>
+  </p:clrMapOvr>
+</p:notes>
+</file>
+
+<file path=ppt/notesSlides/notesSlide7.xml><?xml version="1.0" encoding="utf-8"?>
+<p:notes xmlns:a="http://schemas.openxmlformats.org/drawingml/2006/main" xmlns:r="http://schemas.openxmlformats.org/officeDocument/2006/relationships" xmlns:p="http://schemas.openxmlformats.org/presentationml/2006/main">
+  <p:cSld>
+    <p:spTree>
+      <p:nvGrpSpPr>
+        <p:cNvPr id="1" name=""/>
+        <p:cNvGrpSpPr/>
+        <p:nvPr/>
+      </p:nvGrpSpPr>
+      <p:grpSpPr>
+        <a:xfrm>
+          <a:off x="0" y="0"/>
+          <a:ext cx="0" cy="0"/>
+          <a:chOff x="0" y="0"/>
+          <a:chExt cx="0" cy="0"/>
+        </a:xfrm>
+      </p:grpSpPr>
+      <p:sp>
+        <p:nvSpPr>
+          <p:cNvPr id="2" name="Espace réservé de l'image des diapositives 1"/>
+          <p:cNvSpPr>
+            <a:spLocks noGrp="1" noRot="1" noChangeAspect="1"/>
+          </p:cNvSpPr>
+          <p:nvPr>
+            <p:ph type="sldImg"/>
+          </p:nvPr>
+        </p:nvSpPr>
+        <p:spPr/>
+      </p:sp>
+      <p:sp>
+        <p:nvSpPr>
+          <p:cNvPr id="3" name="Espace réservé des commentaires 2"/>
+          <p:cNvSpPr>
+            <a:spLocks noGrp="1"/>
+          </p:cNvSpPr>
+          <p:nvPr>
+            <p:ph type="body" idx="1"/>
+          </p:nvPr>
+        </p:nvSpPr>
+        <p:spPr/>
+        <p:txBody>
+          <a:bodyPr/>
+          <a:lstStyle/>
+          <a:p>
+            <a:r>
+              <a:rPr lang="en-US" smtClean="0"/>
+              <a:t>Sniffing avec Winpcap</a:t>
+            </a:r>
+            <a:r>
+              <a:rPr lang="en-US" baseline="0" smtClean="0"/>
+              <a:t> (librairie utilisée par wireshark)  </a:t>
+            </a:r>
+            <a:r>
+              <a:rPr lang="en-US" baseline="0" smtClean="0">
+                <a:sym typeface="Wingdings" panose="05000000000000000000" pitchFamily="2" charset="2"/>
+              </a:rPr>
+              <a:t>  Wrappers java (pour les tests technologiques) pcap4j, jnetpcap    protocoles http et https non-supportés et https chiffré</a:t>
+            </a:r>
+          </a:p>
+          <a:p>
+            <a:endParaRPr lang="en-US" baseline="0" smtClean="0">
+              <a:sym typeface="Wingdings" panose="05000000000000000000" pitchFamily="2" charset="2"/>
+            </a:endParaRPr>
+          </a:p>
+          <a:p>
+            <a:r>
+              <a:rPr lang="en-US" baseline="0" smtClean="0">
+                <a:sym typeface="Wingdings" panose="05000000000000000000" pitchFamily="2" charset="2"/>
+              </a:rPr>
+              <a:t>Analyse de l’état de l’art (appli rescue time)   solution = extension chrome</a:t>
+            </a:r>
+          </a:p>
+          <a:p>
+            <a:endParaRPr lang="en-US" baseline="0" smtClean="0">
+              <a:sym typeface="Wingdings" panose="05000000000000000000" pitchFamily="2" charset="2"/>
+            </a:endParaRPr>
+          </a:p>
+          <a:p>
+            <a:r>
+              <a:rPr lang="en-US" baseline="0" smtClean="0">
+                <a:sym typeface="Wingdings" panose="05000000000000000000" pitchFamily="2" charset="2"/>
+              </a:rPr>
+              <a:t>L’extension chrome (html, css et js) permet de capturer les différents événements (creation/switch/fermeture d’onglet/fenêtre)</a:t>
+            </a:r>
+          </a:p>
+          <a:p>
+            <a:endParaRPr lang="en-US" baseline="0" smtClean="0">
+              <a:sym typeface="Wingdings" panose="05000000000000000000" pitchFamily="2" charset="2"/>
+            </a:endParaRPr>
+          </a:p>
+          <a:p>
+            <a:r>
+              <a:rPr lang="en-US" baseline="0" smtClean="0">
+                <a:sym typeface="Wingdings" panose="05000000000000000000" pitchFamily="2" charset="2"/>
+              </a:rPr>
+              <a:t>Le trafic https ainsi que celui du mode navigation privée peut-être récupéré (autorisation tabs dans le manifest permettant d’executer des scripts entre autres (description))</a:t>
+            </a:r>
+          </a:p>
+          <a:p>
+            <a:endParaRPr lang="en-US" baseline="0" smtClean="0">
+              <a:sym typeface="Wingdings" panose="05000000000000000000" pitchFamily="2" charset="2"/>
+            </a:endParaRPr>
+          </a:p>
+          <a:p>
+            <a:r>
+              <a:rPr lang="en-US" baseline="0" smtClean="0">
+                <a:sym typeface="Wingdings" panose="05000000000000000000" pitchFamily="2" charset="2"/>
+              </a:rPr>
+              <a:t>Il existe également d’autres métadonnées que l’on peut récupérer comme par exemple les mots-clés (keywords)</a:t>
+            </a:r>
+          </a:p>
+          <a:p>
+            <a:endParaRPr lang="en-US" baseline="0" smtClean="0">
+              <a:sym typeface="Wingdings" panose="05000000000000000000" pitchFamily="2" charset="2"/>
+            </a:endParaRPr>
+          </a:p>
+          <a:p>
+            <a:r>
+              <a:rPr lang="fr-CH" smtClean="0"/>
+              <a:t>http://don16obqbay2c.cloudfront.net/wp-content/uploads/HTTPS_Security-1493032734-1497956059.png</a:t>
+            </a:r>
+            <a:endParaRPr lang="fr-CH"/>
+          </a:p>
+        </p:txBody>
+      </p:sp>
+      <p:sp>
+        <p:nvSpPr>
+          <p:cNvPr id="4" name="Espace réservé du numéro de diapositive 3"/>
+          <p:cNvSpPr>
+            <a:spLocks noGrp="1"/>
+          </p:cNvSpPr>
+          <p:nvPr>
+            <p:ph type="sldNum" sz="quarter" idx="10"/>
+          </p:nvPr>
+        </p:nvSpPr>
+        <p:spPr/>
+        <p:txBody>
+          <a:bodyPr/>
+          <a:lstStyle/>
+          <a:p>
+            <a:fld id="{54BB6C2C-812B-4891-897C-4C29155E9E7C}" type="slidenum">
+              <a:rPr lang="fr-CH" smtClean="0"/>
+              <a:t>7</a:t>
+            </a:fld>
+            <a:endParaRPr lang="fr-CH"/>
+          </a:p>
+        </p:txBody>
+      </p:sp>
+    </p:spTree>
+    <p:extLst>
+      <p:ext uri="{BB962C8B-B14F-4D97-AF65-F5344CB8AC3E}">
+        <p14:creationId xmlns:p14="http://schemas.microsoft.com/office/powerpoint/2010/main" val="722787217"/>
+      </p:ext>
+    </p:extLst>
+  </p:cSld>
+  <p:clrMapOvr>
+    <a:masterClrMapping/>
+  </p:clrMapOvr>
+</p:notes>
+</file>
+
+<file path=ppt/notesSlides/notesSlide8.xml><?xml version="1.0" encoding="utf-8"?>
+<p:notes xmlns:a="http://schemas.openxmlformats.org/drawingml/2006/main" xmlns:r="http://schemas.openxmlformats.org/officeDocument/2006/relationships" xmlns:p="http://schemas.openxmlformats.org/presentationml/2006/main">
+  <p:cSld>
+    <p:spTree>
+      <p:nvGrpSpPr>
+        <p:cNvPr id="1" name=""/>
+        <p:cNvGrpSpPr/>
+        <p:nvPr/>
+      </p:nvGrpSpPr>
+      <p:grpSpPr>
+        <a:xfrm>
+          <a:off x="0" y="0"/>
+          <a:ext cx="0" cy="0"/>
+          <a:chOff x="0" y="0"/>
+          <a:chExt cx="0" cy="0"/>
+        </a:xfrm>
+      </p:grpSpPr>
+      <p:sp>
+        <p:nvSpPr>
+          <p:cNvPr id="2" name="Espace réservé de l'image des diapositives 1"/>
+          <p:cNvSpPr>
+            <a:spLocks noGrp="1" noRot="1" noChangeAspect="1"/>
+          </p:cNvSpPr>
+          <p:nvPr>
+            <p:ph type="sldImg"/>
+          </p:nvPr>
+        </p:nvSpPr>
+        <p:spPr/>
+      </p:sp>
+      <p:sp>
+        <p:nvSpPr>
+          <p:cNvPr id="3" name="Espace réservé des commentaires 2"/>
+          <p:cNvSpPr>
+            <a:spLocks noGrp="1"/>
+          </p:cNvSpPr>
+          <p:nvPr>
+            <p:ph type="body" idx="1"/>
+          </p:nvPr>
+        </p:nvSpPr>
+        <p:spPr/>
+        <p:txBody>
+          <a:bodyPr/>
+          <a:lstStyle/>
+          <a:p>
+            <a:r>
+              <a:rPr lang="en-US" smtClean="0"/>
+              <a:t>Le format du fichier log est en function du nom de l’utilisateur et de la date de capture</a:t>
+            </a:r>
+          </a:p>
+          <a:p>
+            <a:endParaRPr lang="en-US" smtClean="0"/>
+          </a:p>
+          <a:p>
+            <a:r>
+              <a:rPr lang="en-US" smtClean="0"/>
+              <a:t>Concaténation</a:t>
+            </a:r>
+            <a:r>
+              <a:rPr lang="en-US" baseline="0" smtClean="0"/>
+              <a:t> des fichiers _extension et _processes</a:t>
+            </a:r>
+          </a:p>
+          <a:p>
+            <a:endParaRPr lang="en-US" baseline="0" smtClean="0"/>
+          </a:p>
+          <a:p>
+            <a:r>
+              <a:rPr lang="en-US" baseline="0" smtClean="0"/>
+              <a:t>Aucune intelligence ni séquencement (pas trié chronologiquement  </a:t>
+            </a:r>
+            <a:r>
+              <a:rPr lang="en-US" baseline="0" smtClean="0">
+                <a:sym typeface="Wingdings" panose="05000000000000000000" pitchFamily="2" charset="2"/>
+              </a:rPr>
+              <a:t>  uniquement dans chaque partie</a:t>
+            </a:r>
+            <a:r>
+              <a:rPr lang="en-US" baseline="0" smtClean="0"/>
+              <a:t>)</a:t>
+            </a:r>
+          </a:p>
+          <a:p>
+            <a:endParaRPr lang="en-US" baseline="0" smtClean="0"/>
+          </a:p>
+          <a:p>
+            <a:r>
+              <a:rPr lang="en-US" baseline="0" smtClean="0"/>
+              <a:t>Fichier de base pour la generation des jsons</a:t>
+            </a:r>
+          </a:p>
+          <a:p>
+            <a:endParaRPr lang="en-US" baseline="0" smtClean="0"/>
+          </a:p>
+          <a:p>
+            <a:r>
+              <a:rPr lang="en-US" smtClean="0"/>
+              <a:t>Lancée périodiquement</a:t>
+            </a:r>
+            <a:endParaRPr lang="fr-CH" smtClean="0"/>
+          </a:p>
+          <a:p>
+            <a:endParaRPr lang="fr-CH" smtClean="0"/>
+          </a:p>
+          <a:p>
+            <a:r>
+              <a:rPr lang="fr-CH" smtClean="0"/>
+              <a:t>https://png.kisspng.com/20180221/sve/kisspng-big-ben-clock-face-digital-clock-clip-art-watch-5a8d924a9c1886.5985095015192274666394.png</a:t>
             </a:r>
             <a:endParaRPr lang="fr-CH"/>
           </a:p>
@@ -755,6 +2454,163 @@
             <a:fld id="{54BB6C2C-812B-4891-897C-4C29155E9E7C}" type="slidenum">
               <a:rPr lang="fr-CH" smtClean="0"/>
               <a:t>8</a:t>
+            </a:fld>
+            <a:endParaRPr lang="fr-CH"/>
+          </a:p>
+        </p:txBody>
+      </p:sp>
+    </p:spTree>
+    <p:extLst>
+      <p:ext uri="{BB962C8B-B14F-4D97-AF65-F5344CB8AC3E}">
+        <p14:creationId xmlns:p14="http://schemas.microsoft.com/office/powerpoint/2010/main" val="2113523347"/>
+      </p:ext>
+    </p:extLst>
+  </p:cSld>
+  <p:clrMapOvr>
+    <a:masterClrMapping/>
+  </p:clrMapOvr>
+</p:notes>
+</file>
+
+<file path=ppt/notesSlides/notesSlide9.xml><?xml version="1.0" encoding="utf-8"?>
+<p:notes xmlns:a="http://schemas.openxmlformats.org/drawingml/2006/main" xmlns:r="http://schemas.openxmlformats.org/officeDocument/2006/relationships" xmlns:p="http://schemas.openxmlformats.org/presentationml/2006/main">
+  <p:cSld>
+    <p:spTree>
+      <p:nvGrpSpPr>
+        <p:cNvPr id="1" name=""/>
+        <p:cNvGrpSpPr/>
+        <p:nvPr/>
+      </p:nvGrpSpPr>
+      <p:grpSpPr>
+        <a:xfrm>
+          <a:off x="0" y="0"/>
+          <a:ext cx="0" cy="0"/>
+          <a:chOff x="0" y="0"/>
+          <a:chExt cx="0" cy="0"/>
+        </a:xfrm>
+      </p:grpSpPr>
+      <p:sp>
+        <p:nvSpPr>
+          <p:cNvPr id="2" name="Espace réservé de l'image des diapositives 1"/>
+          <p:cNvSpPr>
+            <a:spLocks noGrp="1" noRot="1" noChangeAspect="1"/>
+          </p:cNvSpPr>
+          <p:nvPr>
+            <p:ph type="sldImg"/>
+          </p:nvPr>
+        </p:nvSpPr>
+        <p:spPr/>
+      </p:sp>
+      <p:sp>
+        <p:nvSpPr>
+          <p:cNvPr id="3" name="Espace réservé des commentaires 2"/>
+          <p:cNvSpPr>
+            <a:spLocks noGrp="1"/>
+          </p:cNvSpPr>
+          <p:nvPr>
+            <p:ph type="body" idx="1"/>
+          </p:nvPr>
+        </p:nvSpPr>
+        <p:spPr/>
+        <p:txBody>
+          <a:bodyPr/>
+          <a:lstStyle/>
+          <a:p>
+            <a:r>
+              <a:rPr lang="en-US" smtClean="0"/>
+              <a:t>Sans aucun doute la partie la plus complexe de</a:t>
+            </a:r>
+            <a:r>
+              <a:rPr lang="en-US" baseline="0" smtClean="0"/>
+              <a:t> l’application</a:t>
+            </a:r>
+          </a:p>
+          <a:p>
+            <a:endParaRPr lang="en-US" baseline="0" smtClean="0"/>
+          </a:p>
+          <a:p>
+            <a:r>
+              <a:rPr lang="en-US" baseline="0" smtClean="0"/>
+              <a:t>1ère méthode : similaire à l’attaque brute force, (url, executable, chemin) dans une liste de mots (liste des réseaux sociaux, liste des sites de (téléchargement de) jeux)</a:t>
+            </a:r>
+          </a:p>
+          <a:p>
+            <a:endParaRPr lang="en-US" baseline="0" smtClean="0"/>
+          </a:p>
+          <a:p>
+            <a:r>
+              <a:rPr lang="en-US" baseline="0" smtClean="0"/>
+              <a:t>2ème méthode : recherche par mots clés (url, description, titre)</a:t>
+            </a:r>
+          </a:p>
+          <a:p>
+            <a:endParaRPr lang="en-US" baseline="0" smtClean="0"/>
+          </a:p>
+          <a:p>
+            <a:r>
+              <a:rPr lang="en-US" baseline="0" smtClean="0"/>
+              <a:t>3ème méthode : (uniquement pour les jeux) plus grande base de données de jeux existante (image, plateforme, rating, nom)</a:t>
+            </a:r>
+          </a:p>
+          <a:p>
+            <a:r>
+              <a:rPr lang="en-US" baseline="0" smtClean="0"/>
+              <a:t>D’autres API existent (GiantBomb et thegamesdb) avec beaucoup moins de jeux recensés ()</a:t>
+            </a:r>
+          </a:p>
+          <a:p>
+            <a:endParaRPr lang="en-US" baseline="0" smtClean="0"/>
+          </a:p>
+          <a:p>
+            <a:r>
+              <a:rPr lang="en-US" baseline="0" smtClean="0"/>
+              <a:t>Pour réduire les appels à l’API et rendre le code plus efficace  </a:t>
+            </a:r>
+            <a:r>
+              <a:rPr lang="en-US" baseline="0" smtClean="0">
+                <a:sym typeface="Wingdings" panose="05000000000000000000" pitchFamily="2" charset="2"/>
+              </a:rPr>
+              <a:t>  sauvegarde dans des fichiers de categories (pourrait être utilisé pour le blacklisting/whitelisting)</a:t>
+            </a:r>
+            <a:endParaRPr lang="en-US" baseline="0" smtClean="0"/>
+          </a:p>
+          <a:p>
+            <a:endParaRPr lang="fr-CH" smtClean="0"/>
+          </a:p>
+          <a:p>
+            <a:endParaRPr lang="fr-CH" smtClean="0"/>
+          </a:p>
+          <a:p>
+            <a:r>
+              <a:rPr lang="fr-CH" smtClean="0"/>
+              <a:t>https</a:t>
+            </a:r>
+            <a:r>
+              <a:rPr lang="fr-CH" smtClean="0"/>
+              <a:t>://www.igdb.com/preview_image.png</a:t>
+            </a:r>
+            <a:endParaRPr lang="fr-CH"/>
+          </a:p>
+        </p:txBody>
+      </p:sp>
+      <p:sp>
+        <p:nvSpPr>
+          <p:cNvPr id="4" name="Espace réservé du numéro de diapositive 3"/>
+          <p:cNvSpPr>
+            <a:spLocks noGrp="1"/>
+          </p:cNvSpPr>
+          <p:nvPr>
+            <p:ph type="sldNum" sz="quarter" idx="10"/>
+          </p:nvPr>
+        </p:nvSpPr>
+        <p:spPr/>
+        <p:txBody>
+          <a:bodyPr/>
+          <a:lstStyle/>
+          <a:p>
+            <a:fld id="{54BB6C2C-812B-4891-897C-4C29155E9E7C}" type="slidenum">
+              <a:rPr lang="fr-CH" smtClean="0"/>
+              <a:t>9</a:t>
             </a:fld>
             <a:endParaRPr lang="fr-CH"/>
           </a:p>
@@ -4376,10 +6232,373 @@
   <p:clrMapOvr>
     <a:masterClrMapping/>
   </p:clrMapOvr>
+  <p:timing>
+    <p:tnLst>
+      <p:par>
+        <p:cTn id="1" dur="indefinite" restart="never" nodeType="tmRoot"/>
+      </p:par>
+    </p:tnLst>
+  </p:timing>
 </p:sld>
 </file>
 
 <file path=ppt/slides/slide10.xml><?xml version="1.0" encoding="utf-8"?>
+<p:sld xmlns:a="http://schemas.openxmlformats.org/drawingml/2006/main" xmlns:r="http://schemas.openxmlformats.org/officeDocument/2006/relationships" xmlns:p="http://schemas.openxmlformats.org/presentationml/2006/main">
+  <p:cSld>
+    <p:spTree>
+      <p:nvGrpSpPr>
+        <p:cNvPr id="1" name=""/>
+        <p:cNvGrpSpPr/>
+        <p:nvPr/>
+      </p:nvGrpSpPr>
+      <p:grpSpPr>
+        <a:xfrm>
+          <a:off x="0" y="0"/>
+          <a:ext cx="0" cy="0"/>
+          <a:chOff x="0" y="0"/>
+          <a:chExt cx="0" cy="0"/>
+        </a:xfrm>
+      </p:grpSpPr>
+      <p:sp>
+        <p:nvSpPr>
+          <p:cNvPr id="2" name="Titre 1"/>
+          <p:cNvSpPr>
+            <a:spLocks noGrp="1"/>
+          </p:cNvSpPr>
+          <p:nvPr>
+            <p:ph type="title"/>
+          </p:nvPr>
+        </p:nvSpPr>
+        <p:spPr/>
+        <p:txBody>
+          <a:bodyPr>
+            <a:normAutofit fontScale="90000"/>
+          </a:bodyPr>
+          <a:lstStyle/>
+          <a:p>
+            <a:pPr algn="ctr"/>
+            <a:r>
+              <a:rPr lang="en-US" sz="8000" smtClean="0"/>
+              <a:t>Détection des utilisateurs</a:t>
+            </a:r>
+            <a:endParaRPr lang="fr-CH" sz="8000"/>
+          </a:p>
+        </p:txBody>
+      </p:sp>
+      <p:sp>
+        <p:nvSpPr>
+          <p:cNvPr id="4" name="Espace réservé du contenu 2"/>
+          <p:cNvSpPr>
+            <a:spLocks noGrp="1"/>
+          </p:cNvSpPr>
+          <p:nvPr>
+            <p:ph idx="1"/>
+          </p:nvPr>
+        </p:nvSpPr>
+        <p:spPr>
+          <a:xfrm>
+            <a:off x="838200" y="2042601"/>
+            <a:ext cx="10515600" cy="4351338"/>
+          </a:xfrm>
+          <a:ln>
+            <a:noFill/>
+          </a:ln>
+        </p:spPr>
+        <p:txBody>
+          <a:bodyPr/>
+          <a:lstStyle/>
+          <a:p>
+            <a:pPr marL="0" marR="0" lvl="0" indent="0" defTabSz="914400" eaLnBrk="1" fontAlgn="auto" latinLnBrk="0" hangingPunct="1">
+              <a:lnSpc>
+                <a:spcPct val="100000"/>
+              </a:lnSpc>
+              <a:spcBef>
+                <a:spcPts val="0"/>
+              </a:spcBef>
+              <a:spcAft>
+                <a:spcPts val="0"/>
+              </a:spcAft>
+              <a:buClrTx/>
+              <a:buSzTx/>
+              <a:buFontTx/>
+              <a:buNone/>
+              <a:tabLst/>
+              <a:defRPr/>
+            </a:pPr>
+            <a:r>
+              <a:rPr lang="fr-CH" dirty="0" smtClean="0"/>
+              <a:t>Actuel:</a:t>
+            </a:r>
+          </a:p>
+          <a:p>
+            <a:pPr marL="0" marR="0" lvl="0" indent="0" defTabSz="914400" eaLnBrk="1" fontAlgn="auto" latinLnBrk="0" hangingPunct="1">
+              <a:lnSpc>
+                <a:spcPct val="100000"/>
+              </a:lnSpc>
+              <a:spcBef>
+                <a:spcPts val="0"/>
+              </a:spcBef>
+              <a:spcAft>
+                <a:spcPts val="0"/>
+              </a:spcAft>
+              <a:buClrTx/>
+              <a:buSzTx/>
+              <a:buFontTx/>
+              <a:buNone/>
+              <a:tabLst/>
+              <a:defRPr/>
+            </a:pPr>
+            <a:r>
+              <a:rPr lang="fr-CH" dirty="0" smtClean="0"/>
+              <a:t>Récupération @IP et Masque de sous-réseau du superviseur avec:</a:t>
+            </a:r>
+            <a:endParaRPr lang="fr-CH" dirty="0" smtClean="0">
+              <a:solidFill>
+                <a:schemeClr val="accent2">
+                  <a:lumMod val="75000"/>
+                </a:schemeClr>
+              </a:solidFill>
+            </a:endParaRPr>
+          </a:p>
+          <a:p>
+            <a:pPr marL="0" indent="0" algn="ctr">
+              <a:lnSpc>
+                <a:spcPct val="100000"/>
+              </a:lnSpc>
+              <a:spcBef>
+                <a:spcPts val="0"/>
+              </a:spcBef>
+              <a:buNone/>
+            </a:pPr>
+            <a:endParaRPr lang="fr-CH" dirty="0" smtClean="0"/>
+          </a:p>
+          <a:p>
+            <a:pPr marL="0" indent="0" algn="ctr">
+              <a:lnSpc>
+                <a:spcPct val="100000"/>
+              </a:lnSpc>
+              <a:spcBef>
+                <a:spcPts val="0"/>
+              </a:spcBef>
+              <a:buNone/>
+            </a:pPr>
+            <a:r>
+              <a:rPr lang="fr-CH" dirty="0" err="1" smtClean="0"/>
+              <a:t>NetworkInterface.getNetworkInterfaces</a:t>
+            </a:r>
+            <a:r>
+              <a:rPr lang="fr-CH" dirty="0" smtClean="0"/>
+              <a:t>()</a:t>
+            </a:r>
+          </a:p>
+          <a:p>
+            <a:pPr marL="0" indent="0" algn="ctr">
+              <a:lnSpc>
+                <a:spcPct val="100000"/>
+              </a:lnSpc>
+              <a:spcBef>
+                <a:spcPts val="0"/>
+              </a:spcBef>
+              <a:buNone/>
+            </a:pPr>
+            <a:endParaRPr lang="fr-CH" dirty="0" smtClean="0"/>
+          </a:p>
+          <a:p>
+            <a:pPr marL="0" marR="0" lvl="0" indent="0" defTabSz="914400" eaLnBrk="1" fontAlgn="auto" latinLnBrk="0" hangingPunct="1">
+              <a:lnSpc>
+                <a:spcPct val="100000"/>
+              </a:lnSpc>
+              <a:spcBef>
+                <a:spcPts val="0"/>
+              </a:spcBef>
+              <a:spcAft>
+                <a:spcPts val="0"/>
+              </a:spcAft>
+              <a:buClrTx/>
+              <a:buSzTx/>
+              <a:buFontTx/>
+              <a:buNone/>
+              <a:tabLst/>
+              <a:defRPr/>
+            </a:pPr>
+            <a:r>
+              <a:rPr lang="fr-CH" dirty="0" err="1" smtClean="0"/>
+              <a:t>Nmap</a:t>
+            </a:r>
+            <a:r>
+              <a:rPr lang="fr-CH" dirty="0" smtClean="0"/>
+              <a:t> pour récupérer </a:t>
+            </a:r>
+            <a:r>
+              <a:rPr lang="fr-CH" dirty="0" smtClean="0">
+                <a:sym typeface="Wingdings"/>
+              </a:rPr>
+              <a:t> nom d’utilisateur, @IP, @MAC, Nom machine</a:t>
+            </a:r>
+            <a:endParaRPr lang="fr-CH" dirty="0"/>
+          </a:p>
+          <a:p>
+            <a:pPr marL="0" marR="0" lvl="0" indent="0" defTabSz="914400" eaLnBrk="1" fontAlgn="auto" latinLnBrk="0" hangingPunct="1">
+              <a:lnSpc>
+                <a:spcPct val="100000"/>
+              </a:lnSpc>
+              <a:spcBef>
+                <a:spcPts val="0"/>
+              </a:spcBef>
+              <a:spcAft>
+                <a:spcPts val="0"/>
+              </a:spcAft>
+              <a:buClrTx/>
+              <a:buSzTx/>
+              <a:buFontTx/>
+              <a:buNone/>
+              <a:tabLst/>
+              <a:defRPr/>
+            </a:pPr>
+            <a:endParaRPr lang="fr-CH" dirty="0" smtClean="0"/>
+          </a:p>
+          <a:p>
+            <a:pPr marL="0" marR="0" lvl="0" indent="0" defTabSz="914400" eaLnBrk="1" fontAlgn="auto" latinLnBrk="0" hangingPunct="1">
+              <a:lnSpc>
+                <a:spcPct val="100000"/>
+              </a:lnSpc>
+              <a:spcBef>
+                <a:spcPts val="0"/>
+              </a:spcBef>
+              <a:spcAft>
+                <a:spcPts val="0"/>
+              </a:spcAft>
+              <a:buClrTx/>
+              <a:buSzTx/>
+              <a:buFontTx/>
+              <a:buNone/>
+              <a:tabLst/>
+              <a:defRPr/>
+            </a:pPr>
+            <a:endParaRPr lang="fr-CH" dirty="0" smtClean="0"/>
+          </a:p>
+          <a:p>
+            <a:pPr marL="0" marR="0" lvl="0" indent="0" defTabSz="914400" eaLnBrk="1" fontAlgn="auto" latinLnBrk="0" hangingPunct="1">
+              <a:lnSpc>
+                <a:spcPct val="100000"/>
+              </a:lnSpc>
+              <a:spcBef>
+                <a:spcPts val="0"/>
+              </a:spcBef>
+              <a:spcAft>
+                <a:spcPts val="0"/>
+              </a:spcAft>
+              <a:buClrTx/>
+              <a:buSzTx/>
+              <a:buFontTx/>
+              <a:buNone/>
+              <a:tabLst/>
+              <a:defRPr/>
+            </a:pPr>
+            <a:r>
+              <a:rPr lang="fr-CH" dirty="0" smtClean="0"/>
+              <a:t>Gestion des utilisateurs sans serveur installé</a:t>
+            </a:r>
+            <a:endParaRPr lang="fr-CH" dirty="0"/>
+          </a:p>
+        </p:txBody>
+      </p:sp>
+    </p:spTree>
+    <p:extLst>
+      <p:ext uri="{BB962C8B-B14F-4D97-AF65-F5344CB8AC3E}">
+        <p14:creationId xmlns:p14="http://schemas.microsoft.com/office/powerpoint/2010/main" val="1812046243"/>
+      </p:ext>
+    </p:extLst>
+  </p:cSld>
+  <p:clrMapOvr>
+    <a:masterClrMapping/>
+  </p:clrMapOvr>
+  <p:timing>
+    <p:tnLst>
+      <p:par>
+        <p:cTn id="1" dur="indefinite" restart="never" nodeType="tmRoot"/>
+      </p:par>
+    </p:tnLst>
+  </p:timing>
+</p:sld>
+</file>
+
+<file path=ppt/slides/slide11.xml><?xml version="1.0" encoding="utf-8"?>
+<p:sld xmlns:a="http://schemas.openxmlformats.org/drawingml/2006/main" xmlns:r="http://schemas.openxmlformats.org/officeDocument/2006/relationships" xmlns:p="http://schemas.openxmlformats.org/presentationml/2006/main">
+  <p:cSld>
+    <p:bg>
+      <p:bgPr>
+        <a:solidFill>
+          <a:schemeClr val="tx1"/>
+        </a:solidFill>
+        <a:effectLst/>
+      </p:bgPr>
+    </p:bg>
+    <p:spTree>
+      <p:nvGrpSpPr>
+        <p:cNvPr id="1" name=""/>
+        <p:cNvGrpSpPr/>
+        <p:nvPr/>
+      </p:nvGrpSpPr>
+      <p:grpSpPr>
+        <a:xfrm>
+          <a:off x="0" y="0"/>
+          <a:ext cx="0" cy="0"/>
+          <a:chOff x="0" y="0"/>
+          <a:chExt cx="0" cy="0"/>
+        </a:xfrm>
+      </p:grpSpPr>
+      <p:pic>
+        <p:nvPicPr>
+          <p:cNvPr id="4" name="Image 3"/>
+          <p:cNvPicPr>
+            <a:picLocks noChangeAspect="1"/>
+          </p:cNvPicPr>
+          <p:nvPr/>
+        </p:nvPicPr>
+        <p:blipFill>
+          <a:blip r:embed="rId3">
+            <a:extLst>
+              <a:ext uri="{28A0092B-C50C-407E-A947-70E740481C1C}">
+                <a14:useLocalDpi xmlns:a14="http://schemas.microsoft.com/office/drawing/2010/main" val="0"/>
+              </a:ext>
+            </a:extLst>
+          </a:blip>
+          <a:stretch>
+            <a:fillRect/>
+          </a:stretch>
+        </p:blipFill>
+        <p:spPr>
+          <a:xfrm>
+            <a:off x="1353519" y="103907"/>
+            <a:ext cx="9423400" cy="6645607"/>
+          </a:xfrm>
+          <a:prstGeom prst="rect">
+            <a:avLst/>
+          </a:prstGeom>
+        </p:spPr>
+      </p:pic>
+    </p:spTree>
+    <p:extLst>
+      <p:ext uri="{BB962C8B-B14F-4D97-AF65-F5344CB8AC3E}">
+        <p14:creationId xmlns:p14="http://schemas.microsoft.com/office/powerpoint/2010/main" val="1914029050"/>
+      </p:ext>
+    </p:extLst>
+  </p:cSld>
+  <p:clrMapOvr>
+    <a:masterClrMapping/>
+  </p:clrMapOvr>
+  <p:timing>
+    <p:tnLst>
+      <p:par>
+        <p:cTn id="1" dur="indefinite" restart="never" nodeType="tmRoot"/>
+      </p:par>
+    </p:tnLst>
+  </p:timing>
+</p:sld>
+</file>
+
+<file path=ppt/slides/slide12.xml><?xml version="1.0" encoding="utf-8"?>
 <p:sld xmlns:a="http://schemas.openxmlformats.org/drawingml/2006/main" xmlns:r="http://schemas.openxmlformats.org/officeDocument/2006/relationships" xmlns:p="http://schemas.openxmlformats.org/presentationml/2006/main">
   <p:cSld>
     <p:spTree>
@@ -4580,170 +6799,6 @@
 </p:sld>
 </file>
 
-<file path=ppt/slides/slide11.xml><?xml version="1.0" encoding="utf-8"?>
-<p:sld xmlns:a="http://schemas.openxmlformats.org/drawingml/2006/main" xmlns:r="http://schemas.openxmlformats.org/officeDocument/2006/relationships" xmlns:p="http://schemas.openxmlformats.org/presentationml/2006/main">
-  <p:cSld>
-    <p:spTree>
-      <p:nvGrpSpPr>
-        <p:cNvPr id="1" name=""/>
-        <p:cNvGrpSpPr/>
-        <p:nvPr/>
-      </p:nvGrpSpPr>
-      <p:grpSpPr>
-        <a:xfrm>
-          <a:off x="0" y="0"/>
-          <a:ext cx="0" cy="0"/>
-          <a:chOff x="0" y="0"/>
-          <a:chExt cx="0" cy="0"/>
-        </a:xfrm>
-      </p:grpSpPr>
-      <p:sp>
-        <p:nvSpPr>
-          <p:cNvPr id="2" name="Titre 1"/>
-          <p:cNvSpPr>
-            <a:spLocks noGrp="1"/>
-          </p:cNvSpPr>
-          <p:nvPr>
-            <p:ph type="title"/>
-          </p:nvPr>
-        </p:nvSpPr>
-        <p:spPr/>
-        <p:txBody>
-          <a:bodyPr>
-            <a:normAutofit/>
-          </a:bodyPr>
-          <a:lstStyle/>
-          <a:p>
-            <a:pPr algn="ctr"/>
-            <a:r>
-              <a:rPr lang="en-US" sz="8000" smtClean="0"/>
-              <a:t>Déploiement</a:t>
-            </a:r>
-            <a:endParaRPr lang="fr-CH" sz="8000"/>
-          </a:p>
-        </p:txBody>
-      </p:sp>
-      <p:sp>
-        <p:nvSpPr>
-          <p:cNvPr id="3" name="Espace réservé du contenu 2"/>
-          <p:cNvSpPr>
-            <a:spLocks noGrp="1"/>
-          </p:cNvSpPr>
-          <p:nvPr>
-            <p:ph idx="1"/>
-          </p:nvPr>
-        </p:nvSpPr>
-        <p:spPr/>
-        <p:txBody>
-          <a:bodyPr/>
-          <a:lstStyle/>
-          <a:p>
-            <a:endParaRPr lang="fr-CH"/>
-          </a:p>
-        </p:txBody>
-      </p:sp>
-    </p:spTree>
-    <p:extLst>
-      <p:ext uri="{BB962C8B-B14F-4D97-AF65-F5344CB8AC3E}">
-        <p14:creationId xmlns:p14="http://schemas.microsoft.com/office/powerpoint/2010/main" val="3208321511"/>
-      </p:ext>
-    </p:extLst>
-  </p:cSld>
-  <p:clrMapOvr>
-    <a:masterClrMapping/>
-  </p:clrMapOvr>
-  <p:timing>
-    <p:tnLst>
-      <p:par>
-        <p:cTn id="1" dur="indefinite" restart="never" nodeType="tmRoot"/>
-      </p:par>
-    </p:tnLst>
-  </p:timing>
-</p:sld>
-</file>
-
-<file path=ppt/slides/slide12.xml><?xml version="1.0" encoding="utf-8"?>
-<p:sld xmlns:a="http://schemas.openxmlformats.org/drawingml/2006/main" xmlns:r="http://schemas.openxmlformats.org/officeDocument/2006/relationships" xmlns:p="http://schemas.openxmlformats.org/presentationml/2006/main">
-  <p:cSld>
-    <p:spTree>
-      <p:nvGrpSpPr>
-        <p:cNvPr id="1" name=""/>
-        <p:cNvGrpSpPr/>
-        <p:nvPr/>
-      </p:nvGrpSpPr>
-      <p:grpSpPr>
-        <a:xfrm>
-          <a:off x="0" y="0"/>
-          <a:ext cx="0" cy="0"/>
-          <a:chOff x="0" y="0"/>
-          <a:chExt cx="0" cy="0"/>
-        </a:xfrm>
-      </p:grpSpPr>
-      <p:sp>
-        <p:nvSpPr>
-          <p:cNvPr id="2" name="Titre 1"/>
-          <p:cNvSpPr>
-            <a:spLocks noGrp="1"/>
-          </p:cNvSpPr>
-          <p:nvPr>
-            <p:ph type="title"/>
-          </p:nvPr>
-        </p:nvSpPr>
-        <p:spPr/>
-        <p:txBody>
-          <a:bodyPr>
-            <a:normAutofit/>
-          </a:bodyPr>
-          <a:lstStyle/>
-          <a:p>
-            <a:pPr algn="ctr"/>
-            <a:r>
-              <a:rPr lang="en-US" sz="8000" smtClean="0"/>
-              <a:t>Perspectives</a:t>
-            </a:r>
-            <a:endParaRPr lang="fr-CH" sz="8000"/>
-          </a:p>
-        </p:txBody>
-      </p:sp>
-      <p:sp>
-        <p:nvSpPr>
-          <p:cNvPr id="3" name="Espace réservé du contenu 2"/>
-          <p:cNvSpPr>
-            <a:spLocks noGrp="1"/>
-          </p:cNvSpPr>
-          <p:nvPr>
-            <p:ph idx="1"/>
-          </p:nvPr>
-        </p:nvSpPr>
-        <p:spPr/>
-        <p:txBody>
-          <a:bodyPr/>
-          <a:lstStyle/>
-          <a:p>
-            <a:endParaRPr lang="fr-CH"/>
-          </a:p>
-        </p:txBody>
-      </p:sp>
-    </p:spTree>
-    <p:extLst>
-      <p:ext uri="{BB962C8B-B14F-4D97-AF65-F5344CB8AC3E}">
-        <p14:creationId xmlns:p14="http://schemas.microsoft.com/office/powerpoint/2010/main" val="2273149100"/>
-      </p:ext>
-    </p:extLst>
-  </p:cSld>
-  <p:clrMapOvr>
-    <a:masterClrMapping/>
-  </p:clrMapOvr>
-  <p:timing>
-    <p:tnLst>
-      <p:par>
-        <p:cTn id="1" dur="indefinite" restart="never" nodeType="tmRoot"/>
-      </p:par>
-    </p:tnLst>
-  </p:timing>
-</p:sld>
-</file>
-
 <file path=ppt/slides/slide13.xml><?xml version="1.0" encoding="utf-8"?>
 <p:sld xmlns:a="http://schemas.openxmlformats.org/drawingml/2006/main" xmlns:r="http://schemas.openxmlformats.org/officeDocument/2006/relationships" xmlns:p="http://schemas.openxmlformats.org/presentationml/2006/main">
   <p:cSld>
@@ -4781,7 +6836,7 @@
             <a:pPr algn="ctr"/>
             <a:r>
               <a:rPr lang="en-US" sz="8000" smtClean="0"/>
-              <a:t>Conclusion</a:t>
+              <a:t>Déploiement</a:t>
             </a:r>
             <a:endParaRPr lang="fr-CH" sz="8000"/>
           </a:p>
@@ -4789,7 +6844,7 @@
       </p:sp>
       <p:sp>
         <p:nvSpPr>
-          <p:cNvPr id="3" name="Espace réservé du contenu 2"/>
+          <p:cNvPr id="4" name="Espace réservé du contenu 2"/>
           <p:cNvSpPr>
             <a:spLocks noGrp="1"/>
           </p:cNvSpPr>
@@ -4797,19 +6852,219 @@
             <p:ph idx="1"/>
           </p:nvPr>
         </p:nvSpPr>
-        <p:spPr/>
-        <p:txBody>
-          <a:bodyPr/>
-          <a:lstStyle/>
-          <a:p>
-            <a:endParaRPr lang="fr-CH"/>
+        <p:spPr>
+          <a:xfrm>
+            <a:off x="838200" y="2507551"/>
+            <a:ext cx="10515600" cy="3350809"/>
+          </a:xfrm>
+        </p:spPr>
+        <p:txBody>
+          <a:bodyPr>
+            <a:normAutofit lnSpcReduction="10000"/>
+          </a:bodyPr>
+          <a:lstStyle/>
+          <a:p>
+            <a:pPr marL="0" marR="0" lvl="0" indent="0" defTabSz="914400" eaLnBrk="1" fontAlgn="auto" latinLnBrk="0" hangingPunct="1">
+              <a:lnSpc>
+                <a:spcPct val="100000"/>
+              </a:lnSpc>
+              <a:spcBef>
+                <a:spcPts val="0"/>
+              </a:spcBef>
+              <a:spcAft>
+                <a:spcPts val="0"/>
+              </a:spcAft>
+              <a:buClrTx/>
+              <a:buSzTx/>
+              <a:buFontTx/>
+              <a:buNone/>
+              <a:tabLst/>
+              <a:defRPr/>
+            </a:pPr>
+            <a:r>
+              <a:rPr lang="fr-CH" dirty="0" smtClean="0"/>
+              <a:t>Publier l’extension Chrome sur </a:t>
+            </a:r>
+            <a:r>
+              <a:rPr lang="fr-CH" dirty="0" err="1" smtClean="0"/>
+              <a:t>webstore</a:t>
+            </a:r>
+            <a:endParaRPr lang="fr-CH" dirty="0" smtClean="0"/>
+          </a:p>
+          <a:p>
+            <a:pPr marL="0" marR="0" lvl="0" indent="0" defTabSz="914400" eaLnBrk="1" fontAlgn="auto" latinLnBrk="0" hangingPunct="1">
+              <a:lnSpc>
+                <a:spcPct val="100000"/>
+              </a:lnSpc>
+              <a:spcBef>
+                <a:spcPts val="0"/>
+              </a:spcBef>
+              <a:spcAft>
+                <a:spcPts val="0"/>
+              </a:spcAft>
+              <a:buClrTx/>
+              <a:buSzTx/>
+              <a:buFontTx/>
+              <a:buNone/>
+              <a:tabLst/>
+              <a:defRPr/>
+            </a:pPr>
+            <a:endParaRPr lang="fr-CH" dirty="0" smtClean="0"/>
+          </a:p>
+          <a:p>
+            <a:pPr marL="0" marR="0" lvl="0" indent="0" defTabSz="914400" eaLnBrk="1" fontAlgn="auto" latinLnBrk="0" hangingPunct="1">
+              <a:lnSpc>
+                <a:spcPct val="100000"/>
+              </a:lnSpc>
+              <a:spcBef>
+                <a:spcPts val="0"/>
+              </a:spcBef>
+              <a:spcAft>
+                <a:spcPts val="0"/>
+              </a:spcAft>
+              <a:buClrTx/>
+              <a:buSzTx/>
+              <a:buFontTx/>
+              <a:buNone/>
+              <a:tabLst/>
+              <a:defRPr/>
+            </a:pPr>
+            <a:r>
+              <a:rPr lang="fr-CH" dirty="0" smtClean="0"/>
+              <a:t>Par utilisateur:</a:t>
+            </a:r>
+          </a:p>
+          <a:p>
+            <a:pPr marL="0" marR="0" lvl="0" indent="0" defTabSz="914400" eaLnBrk="1" fontAlgn="auto" latinLnBrk="0" hangingPunct="1">
+              <a:lnSpc>
+                <a:spcPct val="100000"/>
+              </a:lnSpc>
+              <a:spcBef>
+                <a:spcPts val="0"/>
+              </a:spcBef>
+              <a:spcAft>
+                <a:spcPts val="0"/>
+              </a:spcAft>
+              <a:buClrTx/>
+              <a:buSzTx/>
+              <a:buFontTx/>
+              <a:buNone/>
+              <a:tabLst/>
+              <a:defRPr/>
+            </a:pPr>
+            <a:r>
+              <a:rPr lang="fr-CH" dirty="0"/>
+              <a:t>	</a:t>
+            </a:r>
+            <a:endParaRPr lang="fr-CH" dirty="0" smtClean="0"/>
+          </a:p>
+          <a:p>
+            <a:pPr marL="0" marR="0" lvl="0" indent="0" defTabSz="914400" eaLnBrk="1" fontAlgn="auto" latinLnBrk="0" hangingPunct="1">
+              <a:lnSpc>
+                <a:spcPct val="100000"/>
+              </a:lnSpc>
+              <a:spcBef>
+                <a:spcPts val="0"/>
+              </a:spcBef>
+              <a:spcAft>
+                <a:spcPts val="0"/>
+              </a:spcAft>
+              <a:buClrTx/>
+              <a:buSzTx/>
+              <a:buFontTx/>
+              <a:buNone/>
+              <a:tabLst/>
+              <a:defRPr/>
+            </a:pPr>
+            <a:r>
+              <a:rPr lang="fr-CH" dirty="0"/>
+              <a:t>	</a:t>
+            </a:r>
+            <a:r>
+              <a:rPr lang="fr-CH" dirty="0" smtClean="0"/>
+              <a:t>Installer extension Chrome</a:t>
+            </a:r>
+          </a:p>
+          <a:p>
+            <a:pPr marL="0" marR="0" lvl="0" indent="0" defTabSz="914400" eaLnBrk="1" fontAlgn="auto" latinLnBrk="0" hangingPunct="1">
+              <a:lnSpc>
+                <a:spcPct val="100000"/>
+              </a:lnSpc>
+              <a:spcBef>
+                <a:spcPts val="0"/>
+              </a:spcBef>
+              <a:spcAft>
+                <a:spcPts val="0"/>
+              </a:spcAft>
+              <a:buClrTx/>
+              <a:buSzTx/>
+              <a:buFontTx/>
+              <a:buNone/>
+              <a:tabLst/>
+              <a:defRPr/>
+            </a:pPr>
+            <a:r>
+              <a:rPr lang="fr-CH" dirty="0"/>
+              <a:t>	</a:t>
+            </a:r>
+            <a:endParaRPr lang="fr-CH" dirty="0" smtClean="0"/>
+          </a:p>
+          <a:p>
+            <a:pPr marL="0" marR="0" lvl="0" indent="0" defTabSz="914400" eaLnBrk="1" fontAlgn="auto" latinLnBrk="0" hangingPunct="1">
+              <a:lnSpc>
+                <a:spcPct val="100000"/>
+              </a:lnSpc>
+              <a:spcBef>
+                <a:spcPts val="0"/>
+              </a:spcBef>
+              <a:spcAft>
+                <a:spcPts val="0"/>
+              </a:spcAft>
+              <a:buClrTx/>
+              <a:buSzTx/>
+              <a:buFontTx/>
+              <a:buNone/>
+              <a:tabLst/>
+              <a:defRPr/>
+            </a:pPr>
+            <a:r>
+              <a:rPr lang="fr-CH" dirty="0"/>
+              <a:t>	</a:t>
+            </a:r>
+            <a:r>
+              <a:rPr lang="fr-CH" dirty="0" smtClean="0"/>
+              <a:t>Installer le serveur en mode service</a:t>
+            </a:r>
+          </a:p>
+          <a:p>
+            <a:pPr marL="0" marR="0" lvl="0" indent="0" defTabSz="914400" eaLnBrk="1" fontAlgn="auto" latinLnBrk="0" hangingPunct="1">
+              <a:lnSpc>
+                <a:spcPct val="100000"/>
+              </a:lnSpc>
+              <a:spcBef>
+                <a:spcPts val="0"/>
+              </a:spcBef>
+              <a:spcAft>
+                <a:spcPts val="0"/>
+              </a:spcAft>
+              <a:buClrTx/>
+              <a:buSzTx/>
+              <a:buFontTx/>
+              <a:buNone/>
+              <a:tabLst/>
+              <a:defRPr/>
+            </a:pPr>
+            <a:r>
+              <a:rPr lang="fr-CH" dirty="0"/>
+              <a:t>	</a:t>
+            </a:r>
           </a:p>
         </p:txBody>
       </p:sp>
     </p:spTree>
     <p:extLst>
       <p:ext uri="{BB962C8B-B14F-4D97-AF65-F5344CB8AC3E}">
-        <p14:creationId xmlns:p14="http://schemas.microsoft.com/office/powerpoint/2010/main" val="2604939996"/>
+        <p14:creationId xmlns:p14="http://schemas.microsoft.com/office/powerpoint/2010/main" val="3208321511"/>
       </p:ext>
     </p:extLst>
   </p:cSld>
@@ -4855,13 +7110,288 @@
         </p:nvSpPr>
         <p:spPr/>
         <p:txBody>
+          <a:bodyPr>
+            <a:normAutofit/>
+          </a:bodyPr>
+          <a:lstStyle/>
+          <a:p>
+            <a:pPr algn="ctr"/>
+            <a:r>
+              <a:rPr lang="en-US" sz="8000" smtClean="0"/>
+              <a:t>Perspectives</a:t>
+            </a:r>
+            <a:endParaRPr lang="fr-CH" sz="8000"/>
+          </a:p>
+        </p:txBody>
+      </p:sp>
+      <p:sp>
+        <p:nvSpPr>
+          <p:cNvPr id="3" name="Espace réservé du contenu 2"/>
+          <p:cNvSpPr>
+            <a:spLocks noGrp="1"/>
+          </p:cNvSpPr>
+          <p:nvPr>
+            <p:ph idx="1"/>
+          </p:nvPr>
+        </p:nvSpPr>
+        <p:spPr>
+          <a:xfrm>
+            <a:off x="838200" y="2895008"/>
+            <a:ext cx="10515600" cy="1738985"/>
+          </a:xfrm>
+        </p:spPr>
+        <p:txBody>
           <a:bodyPr/>
           <a:lstStyle/>
           <a:p>
+            <a:r>
+              <a:rPr lang="en-US" smtClean="0"/>
+              <a:t>Améliorations de l’état actuel</a:t>
+            </a:r>
+          </a:p>
+          <a:p>
+            <a:pPr marL="0" indent="0">
+              <a:buNone/>
+            </a:pPr>
+            <a:endParaRPr lang="en-US" smtClean="0"/>
+          </a:p>
+          <a:p>
+            <a:r>
+              <a:rPr lang="en-US" smtClean="0"/>
+              <a:t>Nouvelles fonctionnalités</a:t>
+            </a:r>
             <a:endParaRPr lang="fr-CH"/>
           </a:p>
         </p:txBody>
       </p:sp>
+      <p:pic>
+        <p:nvPicPr>
+          <p:cNvPr id="3074" name="Picture 2" descr="RÃ©sultat de recherche d'images pour &quot;see far away image&quot;"/>
+          <p:cNvPicPr>
+            <a:picLocks noChangeAspect="1" noChangeArrowheads="1"/>
+          </p:cNvPicPr>
+          <p:nvPr/>
+        </p:nvPicPr>
+        <p:blipFill rotWithShape="1">
+          <a:blip r:embed="rId3">
+            <a:extLst>
+              <a:ext uri="{28A0092B-C50C-407E-A947-70E740481C1C}">
+                <a14:useLocalDpi xmlns:a14="http://schemas.microsoft.com/office/drawing/2010/main" val="0"/>
+              </a:ext>
+            </a:extLst>
+          </a:blip>
+          <a:srcRect r="2637" b="8439"/>
+          <a:stretch/>
+        </p:blipFill>
+        <p:spPr bwMode="auto">
+          <a:xfrm>
+            <a:off x="6256741" y="1789153"/>
+            <a:ext cx="5935259" cy="3950694"/>
+          </a:xfrm>
+          <a:prstGeom prst="rect">
+            <a:avLst/>
+          </a:prstGeom>
+          <a:noFill/>
+          <a:extLst>
+            <a:ext uri="{909E8E84-426E-40DD-AFC4-6F175D3DCCD1}">
+              <a14:hiddenFill xmlns:a14="http://schemas.microsoft.com/office/drawing/2010/main">
+                <a:solidFill>
+                  <a:srgbClr val="FFFFFF"/>
+                </a:solidFill>
+              </a14:hiddenFill>
+            </a:ext>
+          </a:extLst>
+        </p:spPr>
+      </p:pic>
+    </p:spTree>
+    <p:extLst>
+      <p:ext uri="{BB962C8B-B14F-4D97-AF65-F5344CB8AC3E}">
+        <p14:creationId xmlns:p14="http://schemas.microsoft.com/office/powerpoint/2010/main" val="2273149100"/>
+      </p:ext>
+    </p:extLst>
+  </p:cSld>
+  <p:clrMapOvr>
+    <a:masterClrMapping/>
+  </p:clrMapOvr>
+  <p:timing>
+    <p:tnLst>
+      <p:par>
+        <p:cTn id="1" dur="indefinite" restart="never" nodeType="tmRoot"/>
+      </p:par>
+    </p:tnLst>
+  </p:timing>
+</p:sld>
+</file>
+
+<file path=ppt/slides/slide15.xml><?xml version="1.0" encoding="utf-8"?>
+<p:sld xmlns:a="http://schemas.openxmlformats.org/drawingml/2006/main" xmlns:r="http://schemas.openxmlformats.org/officeDocument/2006/relationships" xmlns:p="http://schemas.openxmlformats.org/presentationml/2006/main">
+  <p:cSld>
+    <p:spTree>
+      <p:nvGrpSpPr>
+        <p:cNvPr id="1" name=""/>
+        <p:cNvGrpSpPr/>
+        <p:nvPr/>
+      </p:nvGrpSpPr>
+      <p:grpSpPr>
+        <a:xfrm>
+          <a:off x="0" y="0"/>
+          <a:ext cx="0" cy="0"/>
+          <a:chOff x="0" y="0"/>
+          <a:chExt cx="0" cy="0"/>
+        </a:xfrm>
+      </p:grpSpPr>
+      <p:sp>
+        <p:nvSpPr>
+          <p:cNvPr id="2" name="Titre 1"/>
+          <p:cNvSpPr>
+            <a:spLocks noGrp="1"/>
+          </p:cNvSpPr>
+          <p:nvPr>
+            <p:ph type="title"/>
+          </p:nvPr>
+        </p:nvSpPr>
+        <p:spPr/>
+        <p:txBody>
+          <a:bodyPr>
+            <a:normAutofit/>
+          </a:bodyPr>
+          <a:lstStyle/>
+          <a:p>
+            <a:pPr algn="ctr"/>
+            <a:r>
+              <a:rPr lang="en-US" sz="8000" smtClean="0"/>
+              <a:t>Conclusion</a:t>
+            </a:r>
+            <a:endParaRPr lang="fr-CH" sz="8000"/>
+          </a:p>
+        </p:txBody>
+      </p:sp>
+      <p:pic>
+        <p:nvPicPr>
+          <p:cNvPr id="2050" name="Picture 2" descr="Image associÃ©e"/>
+          <p:cNvPicPr>
+            <a:picLocks noChangeAspect="1" noChangeArrowheads="1"/>
+          </p:cNvPicPr>
+          <p:nvPr/>
+        </p:nvPicPr>
+        <p:blipFill>
+          <a:blip r:embed="rId3">
+            <a:extLst>
+              <a:ext uri="{28A0092B-C50C-407E-A947-70E740481C1C}">
+                <a14:useLocalDpi xmlns:a14="http://schemas.microsoft.com/office/drawing/2010/main" val="0"/>
+              </a:ext>
+            </a:extLst>
+          </a:blip>
+          <a:srcRect/>
+          <a:stretch>
+            <a:fillRect/>
+          </a:stretch>
+        </p:blipFill>
+        <p:spPr bwMode="auto">
+          <a:xfrm>
+            <a:off x="3646048" y="1960342"/>
+            <a:ext cx="4899903" cy="4122769"/>
+          </a:xfrm>
+          <a:prstGeom prst="rect">
+            <a:avLst/>
+          </a:prstGeom>
+          <a:noFill/>
+          <a:extLst>
+            <a:ext uri="{909E8E84-426E-40DD-AFC4-6F175D3DCCD1}">
+              <a14:hiddenFill xmlns:a14="http://schemas.microsoft.com/office/drawing/2010/main">
+                <a:solidFill>
+                  <a:srgbClr val="FFFFFF"/>
+                </a:solidFill>
+              </a14:hiddenFill>
+            </a:ext>
+          </a:extLst>
+        </p:spPr>
+      </p:pic>
+    </p:spTree>
+    <p:extLst>
+      <p:ext uri="{BB962C8B-B14F-4D97-AF65-F5344CB8AC3E}">
+        <p14:creationId xmlns:p14="http://schemas.microsoft.com/office/powerpoint/2010/main" val="2604939996"/>
+      </p:ext>
+    </p:extLst>
+  </p:cSld>
+  <p:clrMapOvr>
+    <a:masterClrMapping/>
+  </p:clrMapOvr>
+  <p:timing>
+    <p:tnLst>
+      <p:par>
+        <p:cTn id="1" dur="indefinite" restart="never" nodeType="tmRoot"/>
+      </p:par>
+    </p:tnLst>
+  </p:timing>
+</p:sld>
+</file>
+
+<file path=ppt/slides/slide16.xml><?xml version="1.0" encoding="utf-8"?>
+<p:sld xmlns:a="http://schemas.openxmlformats.org/drawingml/2006/main" xmlns:r="http://schemas.openxmlformats.org/officeDocument/2006/relationships" xmlns:p="http://schemas.openxmlformats.org/presentationml/2006/main">
+  <p:cSld>
+    <p:spTree>
+      <p:nvGrpSpPr>
+        <p:cNvPr id="1" name=""/>
+        <p:cNvGrpSpPr/>
+        <p:nvPr/>
+      </p:nvGrpSpPr>
+      <p:grpSpPr>
+        <a:xfrm>
+          <a:off x="0" y="0"/>
+          <a:ext cx="0" cy="0"/>
+          <a:chOff x="0" y="0"/>
+          <a:chExt cx="0" cy="0"/>
+        </a:xfrm>
+      </p:grpSpPr>
+      <p:pic>
+        <p:nvPicPr>
+          <p:cNvPr id="1026" name="Picture 2" descr="RÃ©sultat de recherche d'images pour &quot;question addiction&quot;"/>
+          <p:cNvPicPr>
+            <a:picLocks noChangeAspect="1" noChangeArrowheads="1"/>
+          </p:cNvPicPr>
+          <p:nvPr/>
+        </p:nvPicPr>
+        <p:blipFill>
+          <a:blip r:embed="rId3">
+            <a:duotone>
+              <a:prstClr val="black"/>
+              <a:srgbClr val="D9C3A5">
+                <a:tint val="50000"/>
+                <a:satMod val="180000"/>
+              </a:srgbClr>
+            </a:duotone>
+            <a:extLst>
+              <a:ext uri="{28A0092B-C50C-407E-A947-70E740481C1C}">
+                <a14:useLocalDpi xmlns:a14="http://schemas.microsoft.com/office/drawing/2010/main" val="0"/>
+              </a:ext>
+            </a:extLst>
+          </a:blip>
+          <a:srcRect/>
+          <a:stretch>
+            <a:fillRect/>
+          </a:stretch>
+        </p:blipFill>
+        <p:spPr bwMode="auto">
+          <a:xfrm>
+            <a:off x="0" y="357352"/>
+            <a:ext cx="12192000" cy="6096000"/>
+          </a:xfrm>
+          <a:prstGeom prst="rect">
+            <a:avLst/>
+          </a:prstGeom>
+          <a:noFill/>
+          <a:extLst>
+            <a:ext uri="{909E8E84-426E-40DD-AFC4-6F175D3DCCD1}">
+              <a14:hiddenFill xmlns:a14="http://schemas.microsoft.com/office/drawing/2010/main">
+                <a:solidFill>
+                  <a:srgbClr val="FFFFFF"/>
+                </a:solidFill>
+              </a14:hiddenFill>
+            </a:ext>
+          </a:extLst>
+        </p:spPr>
+      </p:pic>
     </p:spTree>
     <p:extLst>
       <p:ext uri="{BB962C8B-B14F-4D97-AF65-F5344CB8AC3E}">
@@ -4872,6 +7402,13 @@
   <p:clrMapOvr>
     <a:masterClrMapping/>
   </p:clrMapOvr>
+  <p:timing>
+    <p:tnLst>
+      <p:par>
+        <p:cTn id="1" dur="indefinite" restart="never" nodeType="tmRoot"/>
+      </p:par>
+    </p:tnLst>
+  </p:timing>
 </p:sld>
 </file>
 
@@ -4902,7 +7439,12 @@
             <p:ph type="title"/>
           </p:nvPr>
         </p:nvSpPr>
-        <p:spPr/>
+        <p:spPr>
+          <a:xfrm>
+            <a:off x="838200" y="406480"/>
+            <a:ext cx="10515600" cy="1325563"/>
+          </a:xfrm>
+        </p:spPr>
         <p:txBody>
           <a:bodyPr/>
           <a:lstStyle/>
@@ -4918,20 +7460,320 @@
       </p:sp>
       <p:sp>
         <p:nvSpPr>
-          <p:cNvPr id="3" name="Espace réservé du contenu 2"/>
-          <p:cNvSpPr>
-            <a:spLocks noGrp="1"/>
-          </p:cNvSpPr>
-          <p:nvPr>
-            <p:ph idx="1"/>
-          </p:nvPr>
-        </p:nvSpPr>
-        <p:spPr/>
-        <p:txBody>
-          <a:bodyPr/>
-          <a:lstStyle/>
-          <a:p>
-            <a:endParaRPr lang="fr-CH"/>
+          <p:cNvPr id="4" name="Espace réservé du contenu 2"/>
+          <p:cNvSpPr txBox="1">
+            <a:spLocks/>
+          </p:cNvSpPr>
+          <p:nvPr/>
+        </p:nvSpPr>
+        <p:spPr>
+          <a:xfrm>
+            <a:off x="838200" y="2506662"/>
+            <a:ext cx="10515600" cy="4351338"/>
+          </a:xfrm>
+          <a:prstGeom prst="rect">
+            <a:avLst/>
+          </a:prstGeom>
+        </p:spPr>
+        <p:txBody>
+          <a:bodyPr vert="horz" lIns="91440" tIns="45720" rIns="91440" bIns="45720" rtlCol="0">
+            <a:normAutofit/>
+          </a:bodyPr>
+          <a:lstStyle>
+            <a:lvl1pPr marL="228600" indent="-228600" algn="l" defTabSz="914400" rtl="0" eaLnBrk="1" latinLnBrk="0" hangingPunct="1">
+              <a:lnSpc>
+                <a:spcPct val="90000"/>
+              </a:lnSpc>
+              <a:spcBef>
+                <a:spcPts val="1000"/>
+              </a:spcBef>
+              <a:buFont typeface="Arial" panose="020B0604020202020204" pitchFamily="34" charset="0"/>
+              <a:buChar char="•"/>
+              <a:defRPr sz="2800" kern="1200">
+                <a:solidFill>
+                  <a:schemeClr val="tx1"/>
+                </a:solidFill>
+                <a:latin typeface="+mn-lt"/>
+                <a:ea typeface="+mn-ea"/>
+                <a:cs typeface="+mn-cs"/>
+              </a:defRPr>
+            </a:lvl1pPr>
+            <a:lvl2pPr marL="685800" indent="-228600" algn="l" defTabSz="914400" rtl="0" eaLnBrk="1" latinLnBrk="0" hangingPunct="1">
+              <a:lnSpc>
+                <a:spcPct val="90000"/>
+              </a:lnSpc>
+              <a:spcBef>
+                <a:spcPts val="500"/>
+              </a:spcBef>
+              <a:buFont typeface="Arial" panose="020B0604020202020204" pitchFamily="34" charset="0"/>
+              <a:buChar char="•"/>
+              <a:defRPr sz="2400" kern="1200">
+                <a:solidFill>
+                  <a:schemeClr val="tx1"/>
+                </a:solidFill>
+                <a:latin typeface="+mn-lt"/>
+                <a:ea typeface="+mn-ea"/>
+                <a:cs typeface="+mn-cs"/>
+              </a:defRPr>
+            </a:lvl2pPr>
+            <a:lvl3pPr marL="1143000" indent="-228600" algn="l" defTabSz="914400" rtl="0" eaLnBrk="1" latinLnBrk="0" hangingPunct="1">
+              <a:lnSpc>
+                <a:spcPct val="90000"/>
+              </a:lnSpc>
+              <a:spcBef>
+                <a:spcPts val="500"/>
+              </a:spcBef>
+              <a:buFont typeface="Arial" panose="020B0604020202020204" pitchFamily="34" charset="0"/>
+              <a:buChar char="•"/>
+              <a:defRPr sz="2000" kern="1200">
+                <a:solidFill>
+                  <a:schemeClr val="tx1"/>
+                </a:solidFill>
+                <a:latin typeface="+mn-lt"/>
+                <a:ea typeface="+mn-ea"/>
+                <a:cs typeface="+mn-cs"/>
+              </a:defRPr>
+            </a:lvl3pPr>
+            <a:lvl4pPr marL="1600200" indent="-228600" algn="l" defTabSz="914400" rtl="0" eaLnBrk="1" latinLnBrk="0" hangingPunct="1">
+              <a:lnSpc>
+                <a:spcPct val="90000"/>
+              </a:lnSpc>
+              <a:spcBef>
+                <a:spcPts val="500"/>
+              </a:spcBef>
+              <a:buFont typeface="Arial" panose="020B0604020202020204" pitchFamily="34" charset="0"/>
+              <a:buChar char="•"/>
+              <a:defRPr sz="1800" kern="1200">
+                <a:solidFill>
+                  <a:schemeClr val="tx1"/>
+                </a:solidFill>
+                <a:latin typeface="+mn-lt"/>
+                <a:ea typeface="+mn-ea"/>
+                <a:cs typeface="+mn-cs"/>
+              </a:defRPr>
+            </a:lvl4pPr>
+            <a:lvl5pPr marL="2057400" indent="-228600" algn="l" defTabSz="914400" rtl="0" eaLnBrk="1" latinLnBrk="0" hangingPunct="1">
+              <a:lnSpc>
+                <a:spcPct val="90000"/>
+              </a:lnSpc>
+              <a:spcBef>
+                <a:spcPts val="500"/>
+              </a:spcBef>
+              <a:buFont typeface="Arial" panose="020B0604020202020204" pitchFamily="34" charset="0"/>
+              <a:buChar char="•"/>
+              <a:defRPr sz="1800" kern="1200">
+                <a:solidFill>
+                  <a:schemeClr val="tx1"/>
+                </a:solidFill>
+                <a:latin typeface="+mn-lt"/>
+                <a:ea typeface="+mn-ea"/>
+                <a:cs typeface="+mn-cs"/>
+              </a:defRPr>
+            </a:lvl5pPr>
+            <a:lvl6pPr marL="2514600" indent="-228600" algn="l" defTabSz="914400" rtl="0" eaLnBrk="1" latinLnBrk="0" hangingPunct="1">
+              <a:lnSpc>
+                <a:spcPct val="90000"/>
+              </a:lnSpc>
+              <a:spcBef>
+                <a:spcPts val="500"/>
+              </a:spcBef>
+              <a:buFont typeface="Arial" panose="020B0604020202020204" pitchFamily="34" charset="0"/>
+              <a:buChar char="•"/>
+              <a:defRPr sz="1800" kern="1200">
+                <a:solidFill>
+                  <a:schemeClr val="tx1"/>
+                </a:solidFill>
+                <a:latin typeface="+mn-lt"/>
+                <a:ea typeface="+mn-ea"/>
+                <a:cs typeface="+mn-cs"/>
+              </a:defRPr>
+            </a:lvl6pPr>
+            <a:lvl7pPr marL="2971800" indent="-228600" algn="l" defTabSz="914400" rtl="0" eaLnBrk="1" latinLnBrk="0" hangingPunct="1">
+              <a:lnSpc>
+                <a:spcPct val="90000"/>
+              </a:lnSpc>
+              <a:spcBef>
+                <a:spcPts val="500"/>
+              </a:spcBef>
+              <a:buFont typeface="Arial" panose="020B0604020202020204" pitchFamily="34" charset="0"/>
+              <a:buChar char="•"/>
+              <a:defRPr sz="1800" kern="1200">
+                <a:solidFill>
+                  <a:schemeClr val="tx1"/>
+                </a:solidFill>
+                <a:latin typeface="+mn-lt"/>
+                <a:ea typeface="+mn-ea"/>
+                <a:cs typeface="+mn-cs"/>
+              </a:defRPr>
+            </a:lvl7pPr>
+            <a:lvl8pPr marL="3429000" indent="-228600" algn="l" defTabSz="914400" rtl="0" eaLnBrk="1" latinLnBrk="0" hangingPunct="1">
+              <a:lnSpc>
+                <a:spcPct val="90000"/>
+              </a:lnSpc>
+              <a:spcBef>
+                <a:spcPts val="500"/>
+              </a:spcBef>
+              <a:buFont typeface="Arial" panose="020B0604020202020204" pitchFamily="34" charset="0"/>
+              <a:buChar char="•"/>
+              <a:defRPr sz="1800" kern="1200">
+                <a:solidFill>
+                  <a:schemeClr val="tx1"/>
+                </a:solidFill>
+                <a:latin typeface="+mn-lt"/>
+                <a:ea typeface="+mn-ea"/>
+                <a:cs typeface="+mn-cs"/>
+              </a:defRPr>
+            </a:lvl8pPr>
+            <a:lvl9pPr marL="3886200" indent="-228600" algn="l" defTabSz="914400" rtl="0" eaLnBrk="1" latinLnBrk="0" hangingPunct="1">
+              <a:lnSpc>
+                <a:spcPct val="90000"/>
+              </a:lnSpc>
+              <a:spcBef>
+                <a:spcPts val="500"/>
+              </a:spcBef>
+              <a:buFont typeface="Arial" panose="020B0604020202020204" pitchFamily="34" charset="0"/>
+              <a:buChar char="•"/>
+              <a:defRPr sz="1800" kern="1200">
+                <a:solidFill>
+                  <a:schemeClr val="tx1"/>
+                </a:solidFill>
+                <a:latin typeface="+mn-lt"/>
+                <a:ea typeface="+mn-ea"/>
+                <a:cs typeface="+mn-cs"/>
+              </a:defRPr>
+            </a:lvl9pPr>
+          </a:lstStyle>
+          <a:p>
+            <a:pPr marL="0" indent="0">
+              <a:lnSpc>
+                <a:spcPct val="100000"/>
+              </a:lnSpc>
+              <a:spcBef>
+                <a:spcPts val="0"/>
+              </a:spcBef>
+              <a:buFontTx/>
+              <a:buNone/>
+              <a:defRPr/>
+            </a:pPr>
+            <a:r>
+              <a:rPr lang="fr-CH" b="1" smtClean="0"/>
+              <a:t>SAS</a:t>
+            </a:r>
+            <a:r>
+              <a:rPr lang="fr-CH" smtClean="0"/>
+              <a:t>, signification? </a:t>
+            </a:r>
+          </a:p>
+          <a:p>
+            <a:pPr marL="0" indent="0">
+              <a:lnSpc>
+                <a:spcPct val="100000"/>
+              </a:lnSpc>
+              <a:spcBef>
+                <a:spcPts val="0"/>
+              </a:spcBef>
+              <a:buFontTx/>
+              <a:buNone/>
+              <a:defRPr/>
+            </a:pPr>
+            <a:endParaRPr lang="fr-CH" smtClean="0"/>
+          </a:p>
+          <a:p>
+            <a:pPr marL="0" indent="0">
+              <a:lnSpc>
+                <a:spcPct val="100000"/>
+              </a:lnSpc>
+              <a:spcBef>
+                <a:spcPts val="0"/>
+              </a:spcBef>
+              <a:buFontTx/>
+              <a:buNone/>
+              <a:defRPr/>
+            </a:pPr>
+            <a:endParaRPr lang="fr-CH" smtClean="0"/>
+          </a:p>
+          <a:p>
+            <a:pPr marL="0" indent="0">
+              <a:lnSpc>
+                <a:spcPct val="100000"/>
+              </a:lnSpc>
+              <a:spcBef>
+                <a:spcPts val="0"/>
+              </a:spcBef>
+              <a:buFontTx/>
+              <a:buNone/>
+              <a:defRPr/>
+            </a:pPr>
+            <a:r>
+              <a:rPr lang="fr-CH" b="1" smtClean="0"/>
+              <a:t>En Suisse </a:t>
+            </a:r>
+            <a:r>
+              <a:rPr lang="fr-CH" smtClean="0">
+                <a:sym typeface="Wingdings"/>
+              </a:rPr>
+              <a:t> </a:t>
+            </a:r>
+            <a:r>
+              <a:rPr lang="fr-CH" smtClean="0"/>
+              <a:t>7% des 15-19 ans sont concernés</a:t>
+            </a:r>
+          </a:p>
+          <a:p>
+            <a:pPr marL="0" indent="0">
+              <a:lnSpc>
+                <a:spcPct val="100000"/>
+              </a:lnSpc>
+              <a:spcBef>
+                <a:spcPts val="0"/>
+              </a:spcBef>
+              <a:buFontTx/>
+              <a:buNone/>
+              <a:defRPr/>
+            </a:pPr>
+            <a:endParaRPr lang="fr-CH" smtClean="0"/>
+          </a:p>
+          <a:p>
+            <a:pPr marL="0" indent="0">
+              <a:lnSpc>
+                <a:spcPct val="100000"/>
+              </a:lnSpc>
+              <a:spcBef>
+                <a:spcPts val="0"/>
+              </a:spcBef>
+              <a:buFontTx/>
+              <a:buNone/>
+              <a:defRPr/>
+            </a:pPr>
+            <a:endParaRPr lang="fr-CH" smtClean="0"/>
+          </a:p>
+          <a:p>
+            <a:pPr marL="0" indent="0">
+              <a:lnSpc>
+                <a:spcPct val="100000"/>
+              </a:lnSpc>
+              <a:spcBef>
+                <a:spcPts val="0"/>
+              </a:spcBef>
+              <a:buFontTx/>
+              <a:buNone/>
+              <a:defRPr/>
+            </a:pPr>
+            <a:r>
+              <a:rPr lang="fr-CH" b="1" smtClean="0"/>
+              <a:t>Objectif</a:t>
+            </a:r>
+            <a:r>
+              <a:rPr lang="fr-CH" smtClean="0"/>
+              <a:t> </a:t>
+            </a:r>
+            <a:r>
+              <a:rPr lang="fr-CH" smtClean="0">
+                <a:sym typeface="Wingdings"/>
+              </a:rPr>
+              <a:t> Créer une application qui monitore les activités </a:t>
+            </a:r>
+            <a:endParaRPr lang="fr-CH" dirty="0"/>
           </a:p>
         </p:txBody>
       </p:sp>
@@ -4945,10 +7787,112 @@
   <p:clrMapOvr>
     <a:masterClrMapping/>
   </p:clrMapOvr>
+  <p:timing>
+    <p:tnLst>
+      <p:par>
+        <p:cTn id="1" dur="indefinite" restart="never" nodeType="tmRoot"/>
+      </p:par>
+    </p:tnLst>
+  </p:timing>
 </p:sld>
 </file>
 
 <file path=ppt/slides/slide3.xml><?xml version="1.0" encoding="utf-8"?>
+<p:sld xmlns:a="http://schemas.openxmlformats.org/drawingml/2006/main" xmlns:r="http://schemas.openxmlformats.org/officeDocument/2006/relationships" xmlns:p="http://schemas.openxmlformats.org/presentationml/2006/main">
+  <p:cSld>
+    <p:spTree>
+      <p:nvGrpSpPr>
+        <p:cNvPr id="1" name=""/>
+        <p:cNvGrpSpPr/>
+        <p:nvPr/>
+      </p:nvGrpSpPr>
+      <p:grpSpPr>
+        <a:xfrm>
+          <a:off x="0" y="0"/>
+          <a:ext cx="0" cy="0"/>
+          <a:chOff x="0" y="0"/>
+          <a:chExt cx="0" cy="0"/>
+        </a:xfrm>
+      </p:grpSpPr>
+      <p:sp>
+        <p:nvSpPr>
+          <p:cNvPr id="2" name="Titre 1"/>
+          <p:cNvSpPr>
+            <a:spLocks noGrp="1"/>
+          </p:cNvSpPr>
+          <p:nvPr>
+            <p:ph type="title"/>
+          </p:nvPr>
+        </p:nvSpPr>
+        <p:spPr>
+          <a:xfrm>
+            <a:off x="838200" y="406480"/>
+            <a:ext cx="10515600" cy="1325563"/>
+          </a:xfrm>
+        </p:spPr>
+        <p:txBody>
+          <a:bodyPr/>
+          <a:lstStyle/>
+          <a:p>
+            <a:pPr algn="ctr"/>
+            <a:r>
+              <a:rPr lang="en-US" sz="8000" smtClean="0"/>
+              <a:t>Contexte</a:t>
+            </a:r>
+            <a:endParaRPr lang="fr-CH" sz="8000"/>
+          </a:p>
+        </p:txBody>
+      </p:sp>
+      <p:pic>
+        <p:nvPicPr>
+          <p:cNvPr id="5" name="Image 4"/>
+          <p:cNvPicPr>
+            <a:picLocks noChangeAspect="1"/>
+          </p:cNvPicPr>
+          <p:nvPr/>
+        </p:nvPicPr>
+        <p:blipFill rotWithShape="1">
+          <a:blip r:embed="rId3">
+            <a:extLst>
+              <a:ext uri="{28A0092B-C50C-407E-A947-70E740481C1C}">
+                <a14:useLocalDpi xmlns:a14="http://schemas.microsoft.com/office/drawing/2010/main" val="0"/>
+              </a:ext>
+            </a:extLst>
+          </a:blip>
+          <a:srcRect r="56980" b="57762"/>
+          <a:stretch/>
+        </p:blipFill>
+        <p:spPr>
+          <a:xfrm>
+            <a:off x="419100" y="1690688"/>
+            <a:ext cx="11353800" cy="4728459"/>
+          </a:xfrm>
+          <a:prstGeom prst="rect">
+            <a:avLst/>
+          </a:prstGeom>
+        </p:spPr>
+      </p:pic>
+    </p:spTree>
+    <p:extLst>
+      <p:ext uri="{BB962C8B-B14F-4D97-AF65-F5344CB8AC3E}">
+        <p14:creationId xmlns:p14="http://schemas.microsoft.com/office/powerpoint/2010/main" val="4086291151"/>
+      </p:ext>
+    </p:extLst>
+  </p:cSld>
+  <p:clrMapOvr>
+    <a:masterClrMapping/>
+  </p:clrMapOvr>
+  <p:timing>
+    <p:tnLst>
+      <p:par>
+        <p:cTn id="1" dur="indefinite" restart="never" nodeType="tmRoot"/>
+      </p:par>
+    </p:tnLst>
+  </p:timing>
+</p:sld>
+</file>
+
+<file path=ppt/slides/slide4.xml><?xml version="1.0" encoding="utf-8"?>
 <p:sld xmlns:a="http://schemas.openxmlformats.org/drawingml/2006/main" xmlns:r="http://schemas.openxmlformats.org/officeDocument/2006/relationships" xmlns:p="http://schemas.openxmlformats.org/presentationml/2006/main">
   <p:cSld>
     <p:spTree>
@@ -5270,83 +8214,13 @@
   <p:clrMapOvr>
     <a:masterClrMapping/>
   </p:clrMapOvr>
-</p:sld>
-</file>
-
-<file path=ppt/slides/slide4.xml><?xml version="1.0" encoding="utf-8"?>
-<p:sld xmlns:a="http://schemas.openxmlformats.org/drawingml/2006/main" xmlns:r="http://schemas.openxmlformats.org/officeDocument/2006/relationships" xmlns:p="http://schemas.openxmlformats.org/presentationml/2006/main">
-  <p:cSld>
-    <p:spTree>
-      <p:nvGrpSpPr>
-        <p:cNvPr id="1" name=""/>
-        <p:cNvGrpSpPr/>
-        <p:nvPr/>
-      </p:nvGrpSpPr>
-      <p:grpSpPr>
-        <a:xfrm>
-          <a:off x="0" y="0"/>
-          <a:ext cx="0" cy="0"/>
-          <a:chOff x="0" y="0"/>
-          <a:chExt cx="0" cy="0"/>
-        </a:xfrm>
-      </p:grpSpPr>
-      <p:sp>
-        <p:nvSpPr>
-          <p:cNvPr id="2" name="Titre 1"/>
-          <p:cNvSpPr>
-            <a:spLocks noGrp="1"/>
-          </p:cNvSpPr>
-          <p:nvPr>
-            <p:ph type="title"/>
-          </p:nvPr>
-        </p:nvSpPr>
-        <p:spPr/>
-        <p:txBody>
-          <a:bodyPr/>
-          <a:lstStyle/>
-          <a:p>
-            <a:pPr algn="ctr"/>
-            <a:r>
-              <a:rPr lang="en-US" sz="8000" smtClean="0"/>
-              <a:t>Parcours d’une donnée</a:t>
-            </a:r>
-            <a:endParaRPr lang="fr-CH" sz="8000"/>
-          </a:p>
-        </p:txBody>
-      </p:sp>
-      <p:sp>
-        <p:nvSpPr>
-          <p:cNvPr id="3" name="Espace réservé du contenu 2"/>
-          <p:cNvSpPr>
-            <a:spLocks noGrp="1"/>
-          </p:cNvSpPr>
-          <p:nvPr>
-            <p:ph idx="1"/>
-          </p:nvPr>
-        </p:nvSpPr>
-        <p:spPr/>
-        <p:txBody>
-          <a:bodyPr/>
-          <a:lstStyle/>
-          <a:p>
-            <a:r>
-              <a:rPr lang="en-US" smtClean="0"/>
-              <a:t>Image du déroulement</a:t>
-            </a:r>
-            <a:endParaRPr lang="fr-CH"/>
-          </a:p>
-        </p:txBody>
-      </p:sp>
-    </p:spTree>
-    <p:extLst>
-      <p:ext uri="{BB962C8B-B14F-4D97-AF65-F5344CB8AC3E}">
-        <p14:creationId xmlns:p14="http://schemas.microsoft.com/office/powerpoint/2010/main" val="2517240526"/>
-      </p:ext>
-    </p:extLst>
-  </p:cSld>
-  <p:clrMapOvr>
-    <a:masterClrMapping/>
-  </p:clrMapOvr>
+  <p:timing>
+    <p:tnLst>
+      <p:par>
+        <p:cTn id="1" dur="indefinite" restart="never" nodeType="tmRoot"/>
+      </p:par>
+    </p:tnLst>
+  </p:timing>
 </p:sld>
 </file>
 
@@ -5385,41 +8259,59 @@
             <a:pPr algn="ctr"/>
             <a:r>
               <a:rPr lang="en-US" sz="8000" smtClean="0"/>
-              <a:t>Analyse des processus</a:t>
+              <a:t>Parcours d’une donnée</a:t>
             </a:r>
             <a:endParaRPr lang="fr-CH" sz="8000"/>
           </a:p>
         </p:txBody>
       </p:sp>
-      <p:sp>
-        <p:nvSpPr>
-          <p:cNvPr id="3" name="Espace réservé du contenu 2"/>
-          <p:cNvSpPr>
-            <a:spLocks noGrp="1"/>
-          </p:cNvSpPr>
-          <p:nvPr>
-            <p:ph idx="1"/>
-          </p:nvPr>
-        </p:nvSpPr>
-        <p:spPr/>
-        <p:txBody>
-          <a:bodyPr/>
-          <a:lstStyle/>
-          <a:p>
-            <a:endParaRPr lang="fr-CH"/>
-          </a:p>
-        </p:txBody>
-      </p:sp>
+      <p:pic>
+        <p:nvPicPr>
+          <p:cNvPr id="6" name="Image 5"/>
+          <p:cNvPicPr>
+            <a:picLocks noChangeAspect="1"/>
+          </p:cNvPicPr>
+          <p:nvPr/>
+        </p:nvPicPr>
+        <p:blipFill>
+          <a:blip r:embed="rId3">
+            <a:extLst>
+              <a:ext uri="{28A0092B-C50C-407E-A947-70E740481C1C}">
+                <a14:useLocalDpi xmlns:a14="http://schemas.microsoft.com/office/drawing/2010/main" val="0"/>
+              </a:ext>
+            </a:extLst>
+          </a:blip>
+          <a:stretch>
+            <a:fillRect/>
+          </a:stretch>
+        </p:blipFill>
+        <p:spPr>
+          <a:xfrm>
+            <a:off x="652651" y="1690688"/>
+            <a:ext cx="10886698" cy="4340826"/>
+          </a:xfrm>
+          <a:prstGeom prst="rect">
+            <a:avLst/>
+          </a:prstGeom>
+        </p:spPr>
+      </p:pic>
     </p:spTree>
     <p:extLst>
       <p:ext uri="{BB962C8B-B14F-4D97-AF65-F5344CB8AC3E}">
-        <p14:creationId xmlns:p14="http://schemas.microsoft.com/office/powerpoint/2010/main" val="3129884218"/>
+        <p14:creationId xmlns:p14="http://schemas.microsoft.com/office/powerpoint/2010/main" val="2517240526"/>
       </p:ext>
     </p:extLst>
   </p:cSld>
   <p:clrMapOvr>
     <a:masterClrMapping/>
   </p:clrMapOvr>
+  <p:timing>
+    <p:tnLst>
+      <p:par>
+        <p:cTn id="1" dur="indefinite" restart="never" nodeType="tmRoot"/>
+      </p:par>
+    </p:tnLst>
+  </p:timing>
 </p:sld>
 </file>
 
@@ -5458,7 +8350,7 @@
             <a:pPr algn="ctr"/>
             <a:r>
               <a:rPr lang="en-US" sz="8000" smtClean="0"/>
-              <a:t>Analyse des sites WEB</a:t>
+              <a:t>Analyse des processus</a:t>
             </a:r>
             <a:endParaRPr lang="fr-CH" sz="8000"/>
           </a:p>
@@ -5474,25 +8366,468 @@
             <p:ph idx="1"/>
           </p:nvPr>
         </p:nvSpPr>
-        <p:spPr/>
-        <p:txBody>
-          <a:bodyPr/>
-          <a:lstStyle/>
-          <a:p>
+        <p:spPr>
+          <a:xfrm>
+            <a:off x="838200" y="2214507"/>
+            <a:ext cx="10515600" cy="2410045"/>
+          </a:xfrm>
+        </p:spPr>
+        <p:txBody>
+          <a:bodyPr>
+            <a:normAutofit lnSpcReduction="10000"/>
+          </a:bodyPr>
+          <a:lstStyle/>
+          <a:p>
+            <a:r>
+              <a:rPr lang="en-US" smtClean="0"/>
+              <a:t>Tasklist/ps</a:t>
+            </a:r>
+          </a:p>
+          <a:p>
+            <a:endParaRPr lang="en-US"/>
+          </a:p>
+          <a:p>
+            <a:r>
+              <a:rPr lang="en-US" smtClean="0"/>
+              <a:t>Active-win</a:t>
+            </a:r>
+          </a:p>
+          <a:p>
+            <a:endParaRPr lang="en-US"/>
+          </a:p>
+          <a:p>
+            <a:r>
+              <a:rPr lang="en-US" smtClean="0"/>
+              <a:t>Période</a:t>
+            </a:r>
             <a:endParaRPr lang="fr-CH"/>
           </a:p>
         </p:txBody>
       </p:sp>
+      <p:sp>
+        <p:nvSpPr>
+          <p:cNvPr id="4" name="Rectangle 3"/>
+          <p:cNvSpPr/>
+          <p:nvPr/>
+        </p:nvSpPr>
+        <p:spPr>
+          <a:xfrm>
+            <a:off x="331073" y="4842697"/>
+            <a:ext cx="11508827" cy="369332"/>
+          </a:xfrm>
+          <a:prstGeom prst="rect">
+            <a:avLst/>
+          </a:prstGeom>
+          <a:solidFill>
+            <a:schemeClr val="bg1"/>
+          </a:solidFill>
+          <a:ln>
+            <a:solidFill>
+              <a:schemeClr val="tx1"/>
+            </a:solidFill>
+          </a:ln>
+        </p:spPr>
+        <p:txBody>
+          <a:bodyPr wrap="square">
+            <a:spAutoFit/>
+          </a:bodyPr>
+          <a:lstStyle/>
+          <a:p>
+            <a:pPr marL="66675">
+              <a:spcBef>
+                <a:spcPts val="125"/>
+              </a:spcBef>
+              <a:spcAft>
+                <a:spcPts val="0"/>
+              </a:spcAft>
+            </a:pPr>
+            <a:r>
+              <a:rPr lang="en-US">
+                <a:solidFill>
+                  <a:srgbClr val="00B050"/>
+                </a:solidFill>
+                <a:latin typeface="Calibri" panose="020F0502020204030204" pitchFamily="34" charset="0"/>
+                <a:ea typeface="Calibri" panose="020F0502020204030204" pitchFamily="34" charset="0"/>
+              </a:rPr>
+              <a:t>Date de capture</a:t>
+            </a:r>
+            <a:r>
+              <a:rPr lang="en-US">
+                <a:latin typeface="Calibri" panose="020F0502020204030204" pitchFamily="34" charset="0"/>
+                <a:ea typeface="Calibri" panose="020F0502020204030204" pitchFamily="34" charset="0"/>
+              </a:rPr>
+              <a:t>|</a:t>
+            </a:r>
+            <a:r>
+              <a:rPr lang="en-US">
+                <a:solidFill>
+                  <a:srgbClr val="00B0F0"/>
+                </a:solidFill>
+                <a:latin typeface="Calibri" panose="020F0502020204030204" pitchFamily="34" charset="0"/>
+                <a:ea typeface="Calibri" panose="020F0502020204030204" pitchFamily="34" charset="0"/>
+              </a:rPr>
+              <a:t>Processus</a:t>
+            </a:r>
+            <a:r>
+              <a:rPr lang="en-US">
+                <a:latin typeface="Calibri" panose="020F0502020204030204" pitchFamily="34" charset="0"/>
+                <a:ea typeface="Calibri" panose="020F0502020204030204" pitchFamily="34" charset="0"/>
+              </a:rPr>
+              <a:t>|</a:t>
+            </a:r>
+            <a:r>
+              <a:rPr lang="en-US">
+                <a:solidFill>
+                  <a:srgbClr val="C00000"/>
+                </a:solidFill>
+                <a:latin typeface="Calibri" panose="020F0502020204030204" pitchFamily="34" charset="0"/>
+                <a:ea typeface="Calibri" panose="020F0502020204030204" pitchFamily="34" charset="0"/>
+              </a:rPr>
+              <a:t>Chemin du processus</a:t>
+            </a:r>
+            <a:r>
+              <a:rPr lang="en-US">
+                <a:latin typeface="Calibri" panose="020F0502020204030204" pitchFamily="34" charset="0"/>
+                <a:ea typeface="Calibri" panose="020F0502020204030204" pitchFamily="34" charset="0"/>
+              </a:rPr>
+              <a:t>|</a:t>
+            </a:r>
+            <a:r>
+              <a:rPr lang="en-US">
+                <a:solidFill>
+                  <a:srgbClr val="806000"/>
+                </a:solidFill>
+                <a:latin typeface="Calibri" panose="020F0502020204030204" pitchFamily="34" charset="0"/>
+                <a:ea typeface="Calibri" panose="020F0502020204030204" pitchFamily="34" charset="0"/>
+              </a:rPr>
+              <a:t>ProcessID</a:t>
+            </a:r>
+            <a:r>
+              <a:rPr lang="en-US">
+                <a:latin typeface="Calibri" panose="020F0502020204030204" pitchFamily="34" charset="0"/>
+                <a:ea typeface="Calibri" panose="020F0502020204030204" pitchFamily="34" charset="0"/>
+              </a:rPr>
+              <a:t>|</a:t>
+            </a:r>
+            <a:r>
+              <a:rPr lang="en-US">
+                <a:solidFill>
+                  <a:srgbClr val="FFC000"/>
+                </a:solidFill>
+                <a:latin typeface="Calibri" panose="020F0502020204030204" pitchFamily="34" charset="0"/>
+                <a:ea typeface="Calibri" panose="020F0502020204030204" pitchFamily="34" charset="0"/>
+              </a:rPr>
+              <a:t>Date début</a:t>
+            </a:r>
+            <a:r>
+              <a:rPr lang="en-US">
+                <a:latin typeface="Calibri" panose="020F0502020204030204" pitchFamily="34" charset="0"/>
+                <a:ea typeface="Calibri" panose="020F0502020204030204" pitchFamily="34" charset="0"/>
+              </a:rPr>
+              <a:t>|</a:t>
+            </a:r>
+            <a:r>
+              <a:rPr lang="en-US">
+                <a:solidFill>
+                  <a:srgbClr val="7030A0"/>
+                </a:solidFill>
+                <a:latin typeface="Calibri" panose="020F0502020204030204" pitchFamily="34" charset="0"/>
+                <a:ea typeface="Calibri" panose="020F0502020204030204" pitchFamily="34" charset="0"/>
+              </a:rPr>
+              <a:t>Date fin</a:t>
+            </a:r>
+            <a:r>
+              <a:rPr lang="en-US">
+                <a:latin typeface="Calibri" panose="020F0502020204030204" pitchFamily="34" charset="0"/>
+                <a:ea typeface="Calibri" panose="020F0502020204030204" pitchFamily="34" charset="0"/>
+              </a:rPr>
+              <a:t>|</a:t>
+            </a:r>
+            <a:r>
+              <a:rPr lang="en-US">
+                <a:solidFill>
+                  <a:srgbClr val="ED7D31"/>
+                </a:solidFill>
+                <a:latin typeface="Calibri" panose="020F0502020204030204" pitchFamily="34" charset="0"/>
+                <a:ea typeface="Calibri" panose="020F0502020204030204" pitchFamily="34" charset="0"/>
+              </a:rPr>
+              <a:t>Temps (Fin - début)</a:t>
+            </a:r>
+            <a:r>
+              <a:rPr lang="en-US">
+                <a:latin typeface="Calibri" panose="020F0502020204030204" pitchFamily="34" charset="0"/>
+                <a:ea typeface="Calibri" panose="020F0502020204030204" pitchFamily="34" charset="0"/>
+              </a:rPr>
+              <a:t>|</a:t>
+            </a:r>
+            <a:r>
+              <a:rPr lang="en-US">
+                <a:solidFill>
+                  <a:srgbClr val="8EAADB"/>
+                </a:solidFill>
+                <a:latin typeface="Calibri" panose="020F0502020204030204" pitchFamily="34" charset="0"/>
+                <a:ea typeface="Calibri" panose="020F0502020204030204" pitchFamily="34" charset="0"/>
+              </a:rPr>
+              <a:t>Titre de la fenêtre</a:t>
+            </a:r>
+            <a:endParaRPr lang="fr-CH" sz="2800">
+              <a:effectLst/>
+              <a:latin typeface="Calibri" panose="020F0502020204030204" pitchFamily="34" charset="0"/>
+              <a:ea typeface="Calibri" panose="020F0502020204030204" pitchFamily="34" charset="0"/>
+            </a:endParaRPr>
+          </a:p>
+        </p:txBody>
+      </p:sp>
+      <p:sp>
+        <p:nvSpPr>
+          <p:cNvPr id="5" name="Rectangle 4"/>
+          <p:cNvSpPr/>
+          <p:nvPr/>
+        </p:nvSpPr>
+        <p:spPr>
+          <a:xfrm>
+            <a:off x="331074" y="5473529"/>
+            <a:ext cx="11508827" cy="729430"/>
+          </a:xfrm>
+          <a:prstGeom prst="rect">
+            <a:avLst/>
+          </a:prstGeom>
+          <a:solidFill>
+            <a:schemeClr val="bg1"/>
+          </a:solidFill>
+          <a:ln>
+            <a:solidFill>
+              <a:schemeClr val="tx1"/>
+            </a:solidFill>
+          </a:ln>
+        </p:spPr>
+        <p:txBody>
+          <a:bodyPr wrap="square">
+            <a:spAutoFit/>
+          </a:bodyPr>
+          <a:lstStyle/>
+          <a:p>
+            <a:pPr marL="1011555" marR="534035" indent="-477520">
+              <a:lnSpc>
+                <a:spcPct val="115000"/>
+              </a:lnSpc>
+              <a:spcBef>
+                <a:spcPts val="125"/>
+              </a:spcBef>
+              <a:spcAft>
+                <a:spcPts val="0"/>
+              </a:spcAft>
+            </a:pPr>
+            <a:r>
+              <a:rPr lang="en-US">
+                <a:solidFill>
+                  <a:srgbClr val="00B050"/>
+                </a:solidFill>
+                <a:latin typeface="Calibri" panose="020F0502020204030204" pitchFamily="34" charset="0"/>
+                <a:ea typeface="Calibri" panose="020F0502020204030204" pitchFamily="34" charset="0"/>
+              </a:rPr>
+              <a:t>2018.05.11</a:t>
+            </a:r>
+            <a:r>
+              <a:rPr lang="en-US">
+                <a:latin typeface="Calibri" panose="020F0502020204030204" pitchFamily="34" charset="0"/>
+                <a:ea typeface="Calibri" panose="020F0502020204030204" pitchFamily="34" charset="0"/>
+              </a:rPr>
+              <a:t>|</a:t>
+            </a:r>
+            <a:r>
+              <a:rPr lang="en-US">
+                <a:solidFill>
+                  <a:srgbClr val="00B0F0"/>
+                </a:solidFill>
+                <a:latin typeface="Calibri" panose="020F0502020204030204" pitchFamily="34" charset="0"/>
+                <a:ea typeface="Calibri" panose="020F0502020204030204" pitchFamily="34" charset="0"/>
+              </a:rPr>
+              <a:t>Telegram.exe</a:t>
+            </a:r>
+            <a:r>
+              <a:rPr lang="en-US">
+                <a:latin typeface="Calibri" panose="020F0502020204030204" pitchFamily="34" charset="0"/>
+                <a:ea typeface="Calibri" panose="020F0502020204030204" pitchFamily="34" charset="0"/>
+              </a:rPr>
+              <a:t>|</a:t>
+            </a:r>
+            <a:r>
+              <a:rPr lang="en-US">
+                <a:solidFill>
+                  <a:srgbClr val="C00000"/>
+                </a:solidFill>
+                <a:latin typeface="Calibri" panose="020F0502020204030204" pitchFamily="34" charset="0"/>
+                <a:ea typeface="Calibri" panose="020F0502020204030204" pitchFamily="34" charset="0"/>
+              </a:rPr>
+              <a:t>C:\</a:t>
+            </a:r>
+            <a:r>
+              <a:rPr lang="en-US">
+                <a:solidFill>
+                  <a:srgbClr val="C00000"/>
+                </a:solidFill>
+                <a:latin typeface="Calibri" panose="020F0502020204030204" pitchFamily="34" charset="0"/>
+                <a:ea typeface="Calibri" panose="020F0502020204030204" pitchFamily="34" charset="0"/>
+              </a:rPr>
+              <a:t>Users\Nicolas\AppData\Roaming\Telegram </a:t>
+            </a:r>
+            <a:r>
+              <a:rPr lang="en-US" smtClean="0">
+                <a:solidFill>
+                  <a:srgbClr val="C00000"/>
+                </a:solidFill>
+                <a:latin typeface="Calibri" panose="020F0502020204030204" pitchFamily="34" charset="0"/>
+                <a:ea typeface="Calibri" panose="020F0502020204030204" pitchFamily="34" charset="0"/>
+              </a:rPr>
+              <a:t>Desktop\Telegram.exe</a:t>
+            </a:r>
+            <a:r>
+              <a:rPr lang="en-US" smtClean="0">
+                <a:latin typeface="Calibri" panose="020F0502020204030204" pitchFamily="34" charset="0"/>
+                <a:ea typeface="Calibri" panose="020F0502020204030204" pitchFamily="34" charset="0"/>
+              </a:rPr>
+              <a:t>|</a:t>
+            </a:r>
+            <a:r>
+              <a:rPr lang="en-US" smtClean="0">
+                <a:solidFill>
+                  <a:srgbClr val="806000"/>
+                </a:solidFill>
+                <a:latin typeface="Calibri" panose="020F0502020204030204" pitchFamily="34" charset="0"/>
+                <a:ea typeface="Calibri" panose="020F0502020204030204" pitchFamily="34" charset="0"/>
+              </a:rPr>
+              <a:t>6076</a:t>
+            </a:r>
+            <a:r>
+              <a:rPr lang="en-US" smtClean="0">
+                <a:latin typeface="Calibri" panose="020F0502020204030204" pitchFamily="34" charset="0"/>
+                <a:ea typeface="Calibri" panose="020F0502020204030204" pitchFamily="34" charset="0"/>
+              </a:rPr>
+              <a:t>|</a:t>
+            </a:r>
+            <a:br>
+              <a:rPr lang="en-US" smtClean="0">
+                <a:latin typeface="Calibri" panose="020F0502020204030204" pitchFamily="34" charset="0"/>
+                <a:ea typeface="Calibri" panose="020F0502020204030204" pitchFamily="34" charset="0"/>
+              </a:rPr>
+            </a:br>
+            <a:r>
+              <a:rPr lang="en-US" smtClean="0">
+                <a:solidFill>
+                  <a:srgbClr val="FFC000"/>
+                </a:solidFill>
+                <a:latin typeface="Calibri" panose="020F0502020204030204" pitchFamily="34" charset="0"/>
+                <a:ea typeface="Calibri" panose="020F0502020204030204" pitchFamily="34" charset="0"/>
+              </a:rPr>
+              <a:t>2018-05-11T18:10:26+02:00</a:t>
+            </a:r>
+            <a:r>
+              <a:rPr lang="en-US" smtClean="0">
+                <a:latin typeface="Calibri" panose="020F0502020204030204" pitchFamily="34" charset="0"/>
+                <a:ea typeface="Calibri" panose="020F0502020204030204" pitchFamily="34" charset="0"/>
+              </a:rPr>
+              <a:t>|</a:t>
+            </a:r>
+            <a:r>
+              <a:rPr lang="en-US" smtClean="0">
+                <a:solidFill>
+                  <a:srgbClr val="7030A0"/>
+                </a:solidFill>
+                <a:latin typeface="Calibri" panose="020F0502020204030204" pitchFamily="34" charset="0"/>
+                <a:ea typeface="Calibri" panose="020F0502020204030204" pitchFamily="34" charset="0"/>
+              </a:rPr>
+              <a:t>2018-05-11T18:10:27+02:00</a:t>
+            </a:r>
+            <a:r>
+              <a:rPr lang="en-US" smtClean="0">
+                <a:latin typeface="Calibri" panose="020F0502020204030204" pitchFamily="34" charset="0"/>
+                <a:ea typeface="Calibri" panose="020F0502020204030204" pitchFamily="34" charset="0"/>
+              </a:rPr>
+              <a:t>|</a:t>
+            </a:r>
+            <a:r>
+              <a:rPr lang="en-US" smtClean="0">
+                <a:solidFill>
+                  <a:srgbClr val="ED7D31"/>
+                </a:solidFill>
+                <a:latin typeface="Calibri" panose="020F0502020204030204" pitchFamily="34" charset="0"/>
+                <a:ea typeface="Calibri" panose="020F0502020204030204" pitchFamily="34" charset="0"/>
+              </a:rPr>
+              <a:t>1.002</a:t>
+            </a:r>
+            <a:r>
+              <a:rPr lang="en-US" smtClean="0">
+                <a:latin typeface="Calibri" panose="020F0502020204030204" pitchFamily="34" charset="0"/>
+                <a:ea typeface="Calibri" panose="020F0502020204030204" pitchFamily="34" charset="0"/>
+              </a:rPr>
+              <a:t>|</a:t>
+            </a:r>
+            <a:r>
+              <a:rPr lang="en-US" smtClean="0">
+                <a:solidFill>
+                  <a:srgbClr val="8EAADB"/>
+                </a:solidFill>
+                <a:latin typeface="Calibri" panose="020F0502020204030204" pitchFamily="34" charset="0"/>
+                <a:ea typeface="Calibri" panose="020F0502020204030204" pitchFamily="34" charset="0"/>
+              </a:rPr>
+              <a:t>TelegramDesktop</a:t>
+            </a:r>
+            <a:endParaRPr lang="fr-CH" sz="2800">
+              <a:effectLst/>
+              <a:latin typeface="Calibri" panose="020F0502020204030204" pitchFamily="34" charset="0"/>
+              <a:ea typeface="Calibri" panose="020F0502020204030204" pitchFamily="34" charset="0"/>
+            </a:endParaRPr>
+          </a:p>
+        </p:txBody>
+      </p:sp>
+      <p:pic>
+        <p:nvPicPr>
+          <p:cNvPr id="6" name="Image 5"/>
+          <p:cNvPicPr>
+            <a:picLocks noChangeAspect="1"/>
+          </p:cNvPicPr>
+          <p:nvPr/>
+        </p:nvPicPr>
+        <p:blipFill>
+          <a:blip r:embed="rId3">
+            <a:extLst>
+              <a:ext uri="{28A0092B-C50C-407E-A947-70E740481C1C}">
+                <a14:useLocalDpi xmlns:a14="http://schemas.microsoft.com/office/drawing/2010/main" val="0"/>
+              </a:ext>
+            </a:extLst>
+          </a:blip>
+          <a:stretch>
+            <a:fillRect/>
+          </a:stretch>
+        </p:blipFill>
+        <p:spPr>
+          <a:xfrm>
+            <a:off x="8482230" y="2214507"/>
+            <a:ext cx="2637716" cy="2022249"/>
+          </a:xfrm>
+          <a:prstGeom prst="rect">
+            <a:avLst/>
+          </a:prstGeom>
+        </p:spPr>
+      </p:pic>
     </p:spTree>
     <p:extLst>
       <p:ext uri="{BB962C8B-B14F-4D97-AF65-F5344CB8AC3E}">
-        <p14:creationId xmlns:p14="http://schemas.microsoft.com/office/powerpoint/2010/main" val="4053791659"/>
+        <p14:creationId xmlns:p14="http://schemas.microsoft.com/office/powerpoint/2010/main" val="3129884218"/>
       </p:ext>
     </p:extLst>
   </p:cSld>
   <p:clrMapOvr>
     <a:masterClrMapping/>
   </p:clrMapOvr>
+  <p:timing>
+    <p:tnLst>
+      <p:par>
+        <p:cTn id="1" dur="indefinite" restart="never" nodeType="tmRoot"/>
+      </p:par>
+    </p:tnLst>
+  </p:timing>
 </p:sld>
 </file>
 
@@ -5531,7 +8866,7 @@
             <a:pPr algn="ctr"/>
             <a:r>
               <a:rPr lang="en-US" sz="8000" smtClean="0"/>
-              <a:t>Ecriture du fichier log</a:t>
+              <a:t>Analyse des sites WEB</a:t>
             </a:r>
             <a:endParaRPr lang="fr-CH" sz="8000"/>
           </a:p>
@@ -5552,20 +8887,426 @@
           <a:bodyPr/>
           <a:lstStyle/>
           <a:p>
+            <a:r>
+              <a:rPr lang="en-US" smtClean="0"/>
+              <a:t>Winpcap</a:t>
+            </a:r>
+          </a:p>
+          <a:p>
+            <a:endParaRPr lang="en-US"/>
+          </a:p>
+          <a:p>
+            <a:r>
+              <a:rPr lang="en-US" smtClean="0"/>
+              <a:t>Extension chrome</a:t>
+            </a:r>
+          </a:p>
+          <a:p>
+            <a:endParaRPr lang="en-US"/>
+          </a:p>
+          <a:p>
+            <a:r>
+              <a:rPr lang="en-US" smtClean="0"/>
+              <a:t>Https et navigation privée</a:t>
+            </a:r>
             <a:endParaRPr lang="fr-CH"/>
+          </a:p>
+        </p:txBody>
+      </p:sp>
+      <p:pic>
+        <p:nvPicPr>
+          <p:cNvPr id="4" name="Image 3"/>
+          <p:cNvPicPr>
+            <a:picLocks noChangeAspect="1"/>
+          </p:cNvPicPr>
+          <p:nvPr/>
+        </p:nvPicPr>
+        <p:blipFill>
+          <a:blip r:embed="rId3">
+            <a:extLst>
+              <a:ext uri="{28A0092B-C50C-407E-A947-70E740481C1C}">
+                <a14:useLocalDpi xmlns:a14="http://schemas.microsoft.com/office/drawing/2010/main" val="0"/>
+              </a:ext>
+            </a:extLst>
+          </a:blip>
+          <a:stretch>
+            <a:fillRect/>
+          </a:stretch>
+        </p:blipFill>
+        <p:spPr>
+          <a:xfrm>
+            <a:off x="7283633" y="1690688"/>
+            <a:ext cx="4307962" cy="2798480"/>
+          </a:xfrm>
+          <a:prstGeom prst="rect">
+            <a:avLst/>
+          </a:prstGeom>
+        </p:spPr>
+      </p:pic>
+      <p:sp>
+        <p:nvSpPr>
+          <p:cNvPr id="7" name="Rectangle 6"/>
+          <p:cNvSpPr/>
+          <p:nvPr/>
+        </p:nvSpPr>
+        <p:spPr>
+          <a:xfrm>
+            <a:off x="320565" y="4613481"/>
+            <a:ext cx="11508826" cy="369332"/>
+          </a:xfrm>
+          <a:prstGeom prst="rect">
+            <a:avLst/>
+          </a:prstGeom>
+          <a:solidFill>
+            <a:schemeClr val="bg1"/>
+          </a:solidFill>
+          <a:ln>
+            <a:solidFill>
+              <a:schemeClr val="tx1"/>
+            </a:solidFill>
+          </a:ln>
+        </p:spPr>
+        <p:txBody>
+          <a:bodyPr wrap="square">
+            <a:spAutoFit/>
+          </a:bodyPr>
+          <a:lstStyle/>
+          <a:p>
+            <a:pPr marL="454660">
+              <a:spcBef>
+                <a:spcPts val="125"/>
+              </a:spcBef>
+              <a:spcAft>
+                <a:spcPts val="0"/>
+              </a:spcAft>
+            </a:pPr>
+            <a:r>
+              <a:rPr lang="en-US">
+                <a:solidFill>
+                  <a:srgbClr val="00B050"/>
+                </a:solidFill>
+                <a:latin typeface="Calibri" panose="020F0502020204030204" pitchFamily="34" charset="0"/>
+                <a:ea typeface="Calibri" panose="020F0502020204030204" pitchFamily="34" charset="0"/>
+              </a:rPr>
+              <a:t>Date de capture</a:t>
+            </a:r>
+            <a:r>
+              <a:rPr lang="en-US">
+                <a:latin typeface="Calibri" panose="020F0502020204030204" pitchFamily="34" charset="0"/>
+                <a:ea typeface="Calibri" panose="020F0502020204030204" pitchFamily="34" charset="0"/>
+              </a:rPr>
+              <a:t>|</a:t>
+            </a:r>
+            <a:r>
+              <a:rPr lang="en-US">
+                <a:solidFill>
+                  <a:srgbClr val="00B0F0"/>
+                </a:solidFill>
+                <a:latin typeface="Calibri" panose="020F0502020204030204" pitchFamily="34" charset="0"/>
+                <a:ea typeface="Calibri" panose="020F0502020204030204" pitchFamily="34" charset="0"/>
+              </a:rPr>
+              <a:t>url complète</a:t>
+            </a:r>
+            <a:r>
+              <a:rPr lang="en-US">
+                <a:latin typeface="Calibri" panose="020F0502020204030204" pitchFamily="34" charset="0"/>
+                <a:ea typeface="Calibri" panose="020F0502020204030204" pitchFamily="34" charset="0"/>
+              </a:rPr>
+              <a:t>|</a:t>
+            </a:r>
+            <a:r>
+              <a:rPr lang="en-US">
+                <a:solidFill>
+                  <a:srgbClr val="FFC000"/>
+                </a:solidFill>
+                <a:latin typeface="Calibri" panose="020F0502020204030204" pitchFamily="34" charset="0"/>
+                <a:ea typeface="Calibri" panose="020F0502020204030204" pitchFamily="34" charset="0"/>
+              </a:rPr>
+              <a:t>Date début</a:t>
+            </a:r>
+            <a:r>
+              <a:rPr lang="en-US">
+                <a:latin typeface="Calibri" panose="020F0502020204030204" pitchFamily="34" charset="0"/>
+                <a:ea typeface="Calibri" panose="020F0502020204030204" pitchFamily="34" charset="0"/>
+              </a:rPr>
+              <a:t>|</a:t>
+            </a:r>
+            <a:r>
+              <a:rPr lang="en-US">
+                <a:solidFill>
+                  <a:srgbClr val="7030A0"/>
+                </a:solidFill>
+                <a:latin typeface="Calibri" panose="020F0502020204030204" pitchFamily="34" charset="0"/>
+                <a:ea typeface="Calibri" panose="020F0502020204030204" pitchFamily="34" charset="0"/>
+              </a:rPr>
+              <a:t>Date fin</a:t>
+            </a:r>
+            <a:r>
+              <a:rPr lang="en-US">
+                <a:latin typeface="Calibri" panose="020F0502020204030204" pitchFamily="34" charset="0"/>
+                <a:ea typeface="Calibri" panose="020F0502020204030204" pitchFamily="34" charset="0"/>
+              </a:rPr>
+              <a:t>|</a:t>
+            </a:r>
+            <a:r>
+              <a:rPr lang="en-US">
+                <a:solidFill>
+                  <a:srgbClr val="ED7D31"/>
+                </a:solidFill>
+                <a:latin typeface="Calibri" panose="020F0502020204030204" pitchFamily="34" charset="0"/>
+                <a:ea typeface="Calibri" panose="020F0502020204030204" pitchFamily="34" charset="0"/>
+              </a:rPr>
+              <a:t>Temps (fin - début)</a:t>
+            </a:r>
+            <a:r>
+              <a:rPr lang="en-US">
+                <a:latin typeface="Calibri" panose="020F0502020204030204" pitchFamily="34" charset="0"/>
+                <a:ea typeface="Calibri" panose="020F0502020204030204" pitchFamily="34" charset="0"/>
+              </a:rPr>
+              <a:t>|</a:t>
+            </a:r>
+            <a:r>
+              <a:rPr lang="en-US">
+                <a:solidFill>
+                  <a:srgbClr val="8EAADB"/>
+                </a:solidFill>
+                <a:latin typeface="Calibri" panose="020F0502020204030204" pitchFamily="34" charset="0"/>
+                <a:ea typeface="Calibri" panose="020F0502020204030204" pitchFamily="34" charset="0"/>
+              </a:rPr>
+              <a:t>Metadonnées de l'url (description)</a:t>
+            </a:r>
+            <a:endParaRPr lang="fr-CH" sz="2800">
+              <a:effectLst/>
+              <a:latin typeface="Calibri" panose="020F0502020204030204" pitchFamily="34" charset="0"/>
+              <a:ea typeface="Calibri" panose="020F0502020204030204" pitchFamily="34" charset="0"/>
+            </a:endParaRPr>
+          </a:p>
+        </p:txBody>
+      </p:sp>
+      <p:sp>
+        <p:nvSpPr>
+          <p:cNvPr id="8" name="Rectangle 7"/>
+          <p:cNvSpPr/>
+          <p:nvPr/>
+        </p:nvSpPr>
+        <p:spPr>
+          <a:xfrm>
+            <a:off x="320565" y="5172923"/>
+            <a:ext cx="11508826" cy="1047979"/>
+          </a:xfrm>
+          <a:prstGeom prst="rect">
+            <a:avLst/>
+          </a:prstGeom>
+          <a:solidFill>
+            <a:schemeClr val="bg1"/>
+          </a:solidFill>
+          <a:ln>
+            <a:solidFill>
+              <a:schemeClr val="tx1"/>
+            </a:solidFill>
+          </a:ln>
+        </p:spPr>
+        <p:txBody>
+          <a:bodyPr wrap="square">
+            <a:spAutoFit/>
+          </a:bodyPr>
+          <a:lstStyle/>
+          <a:p>
+            <a:pPr marL="1308100" marR="149225" indent="-917575">
+              <a:lnSpc>
+                <a:spcPct val="115000"/>
+              </a:lnSpc>
+              <a:spcBef>
+                <a:spcPts val="125"/>
+              </a:spcBef>
+              <a:spcAft>
+                <a:spcPts val="0"/>
+              </a:spcAft>
+            </a:pPr>
+            <a:r>
+              <a:rPr lang="en-US">
+                <a:solidFill>
+                  <a:srgbClr val="00B050"/>
+                </a:solidFill>
+                <a:latin typeface="Calibri" panose="020F0502020204030204" pitchFamily="34" charset="0"/>
+                <a:ea typeface="Calibri" panose="020F0502020204030204" pitchFamily="34" charset="0"/>
+              </a:rPr>
+              <a:t>2018.05.11</a:t>
+            </a:r>
+            <a:r>
+              <a:rPr lang="en-US">
+                <a:latin typeface="Calibri" panose="020F0502020204030204" pitchFamily="34" charset="0"/>
+                <a:ea typeface="Calibri" panose="020F0502020204030204" pitchFamily="34" charset="0"/>
+              </a:rPr>
+              <a:t>|</a:t>
+            </a:r>
+            <a:r>
+              <a:rPr lang="en-US">
+                <a:solidFill>
+                  <a:srgbClr val="00B0F0"/>
+                </a:solidFill>
+                <a:latin typeface="Calibri" panose="020F0502020204030204" pitchFamily="34" charset="0"/>
+                <a:ea typeface="Calibri" panose="020F0502020204030204" pitchFamily="34" charset="0"/>
+                <a:hlinkClick r:id="rId4"/>
+              </a:rPr>
+              <a:t>http</a:t>
+            </a:r>
+            <a:r>
+              <a:rPr lang="en-US">
+                <a:solidFill>
+                  <a:srgbClr val="00B0F0"/>
+                </a:solidFill>
+                <a:latin typeface="Calibri" panose="020F0502020204030204" pitchFamily="34" charset="0"/>
+                <a:ea typeface="Calibri" panose="020F0502020204030204" pitchFamily="34" charset="0"/>
+                <a:hlinkClick r:id="rId4"/>
+              </a:rPr>
+              <a:t>://</a:t>
+            </a:r>
+            <a:r>
+              <a:rPr lang="en-US" smtClean="0">
+                <a:solidFill>
+                  <a:srgbClr val="00B0F0"/>
+                </a:solidFill>
+                <a:latin typeface="Calibri" panose="020F0502020204030204" pitchFamily="34" charset="0"/>
+                <a:ea typeface="Calibri" panose="020F0502020204030204" pitchFamily="34" charset="0"/>
+                <a:hlinkClick r:id="rId4"/>
+              </a:rPr>
+              <a:t>www.jeuxjeuxjeux.fr/jeu</a:t>
+            </a:r>
+            <a:r>
+              <a:rPr lang="en-US" smtClean="0">
+                <a:latin typeface="Calibri" panose="020F0502020204030204" pitchFamily="34" charset="0"/>
+                <a:ea typeface="Calibri" panose="020F0502020204030204" pitchFamily="34" charset="0"/>
+              </a:rPr>
+              <a:t>|</a:t>
+            </a:r>
+            <a:r>
+              <a:rPr lang="en-US" smtClean="0">
+                <a:solidFill>
+                  <a:srgbClr val="FFC000"/>
+                </a:solidFill>
+                <a:latin typeface="Calibri" panose="020F0502020204030204" pitchFamily="34" charset="0"/>
+                <a:ea typeface="Calibri" panose="020F0502020204030204" pitchFamily="34" charset="0"/>
+              </a:rPr>
+              <a:t>2018-05-11T11:40:43+02:00</a:t>
+            </a:r>
+            <a:r>
+              <a:rPr lang="en-US" smtClean="0">
+                <a:latin typeface="Calibri" panose="020F0502020204030204" pitchFamily="34" charset="0"/>
+                <a:ea typeface="Calibri" panose="020F0502020204030204" pitchFamily="34" charset="0"/>
+              </a:rPr>
+              <a:t>|</a:t>
+            </a:r>
+            <a:r>
+              <a:rPr lang="en-US" smtClean="0">
+                <a:solidFill>
+                  <a:srgbClr val="7030A0"/>
+                </a:solidFill>
+                <a:latin typeface="Calibri" panose="020F0502020204030204" pitchFamily="34" charset="0"/>
+                <a:ea typeface="Calibri" panose="020F0502020204030204" pitchFamily="34" charset="0"/>
+              </a:rPr>
+              <a:t>2018-05-11T12:02:43+02:00</a:t>
+            </a:r>
+            <a:r>
+              <a:rPr lang="en-US" smtClean="0">
+                <a:latin typeface="Calibri" panose="020F0502020204030204" pitchFamily="34" charset="0"/>
+                <a:ea typeface="Calibri" panose="020F0502020204030204" pitchFamily="34" charset="0"/>
+              </a:rPr>
+              <a:t>|</a:t>
+            </a:r>
+            <a:r>
+              <a:rPr lang="en-US" smtClean="0">
+                <a:solidFill>
+                  <a:srgbClr val="ED7D31"/>
+                </a:solidFill>
+                <a:latin typeface="Calibri" panose="020F0502020204030204" pitchFamily="34" charset="0"/>
+                <a:ea typeface="Calibri" panose="020F0502020204030204" pitchFamily="34" charset="0"/>
+              </a:rPr>
+              <a:t>1320</a:t>
+            </a:r>
+            <a:r>
+              <a:rPr lang="en-US" smtClean="0">
+                <a:latin typeface="Calibri" panose="020F0502020204030204" pitchFamily="34" charset="0"/>
+                <a:ea typeface="Calibri" panose="020F0502020204030204" pitchFamily="34" charset="0"/>
+              </a:rPr>
+              <a:t>|</a:t>
+            </a:r>
+            <a:br>
+              <a:rPr lang="en-US" smtClean="0">
+                <a:latin typeface="Calibri" panose="020F0502020204030204" pitchFamily="34" charset="0"/>
+                <a:ea typeface="Calibri" panose="020F0502020204030204" pitchFamily="34" charset="0"/>
+              </a:rPr>
+            </a:br>
+            <a:r>
+              <a:rPr lang="fr-CH" smtClean="0">
+                <a:solidFill>
+                  <a:srgbClr val="8EAADB"/>
+                </a:solidFill>
+                <a:latin typeface="Calibri" panose="020F0502020204030204" pitchFamily="34" charset="0"/>
+                <a:ea typeface="Calibri" panose="020F0502020204030204" pitchFamily="34" charset="0"/>
+              </a:rPr>
+              <a:t>Joue </a:t>
+            </a:r>
+            <a:r>
+              <a:rPr lang="fr-CH">
+                <a:solidFill>
+                  <a:srgbClr val="8EAADB"/>
+                </a:solidFill>
+                <a:latin typeface="Calibri" panose="020F0502020204030204" pitchFamily="34" charset="0"/>
+                <a:ea typeface="Calibri" panose="020F0502020204030204" pitchFamily="34" charset="0"/>
+              </a:rPr>
+              <a:t>à des Jeux Gratuits en Ligne sur JeuxJeuxJeux.fr</a:t>
+            </a:r>
+            <a:r>
+              <a:rPr lang="fr-CH">
+                <a:solidFill>
+                  <a:srgbClr val="8EAADB"/>
+                </a:solidFill>
+                <a:latin typeface="Calibri" panose="020F0502020204030204" pitchFamily="34" charset="0"/>
+                <a:ea typeface="Calibri" panose="020F0502020204030204" pitchFamily="34" charset="0"/>
+              </a:rPr>
+              <a:t>, </a:t>
+            </a:r>
+            <a:r>
+              <a:rPr lang="fr-CH" smtClean="0">
+                <a:solidFill>
+                  <a:srgbClr val="8EAADB"/>
+                </a:solidFill>
+                <a:latin typeface="Calibri" panose="020F0502020204030204" pitchFamily="34" charset="0"/>
+                <a:ea typeface="Calibri" panose="020F0502020204030204" pitchFamily="34" charset="0"/>
+              </a:rPr>
+              <a:t>l’ultime </a:t>
+            </a:r>
+            <a:r>
+              <a:rPr lang="fr-CH">
+                <a:solidFill>
+                  <a:srgbClr val="8EAADB"/>
+                </a:solidFill>
+                <a:latin typeface="Calibri" panose="020F0502020204030204" pitchFamily="34" charset="0"/>
+                <a:ea typeface="Calibri" panose="020F0502020204030204" pitchFamily="34" charset="0"/>
+              </a:rPr>
+              <a:t>Terrain de Jeu en Ligne ! Choisis ton Jeu Gratuit Préféré, et Amuse-toi !</a:t>
+            </a:r>
           </a:p>
         </p:txBody>
       </p:sp>
     </p:spTree>
     <p:extLst>
       <p:ext uri="{BB962C8B-B14F-4D97-AF65-F5344CB8AC3E}">
-        <p14:creationId xmlns:p14="http://schemas.microsoft.com/office/powerpoint/2010/main" val="3286419546"/>
+        <p14:creationId xmlns:p14="http://schemas.microsoft.com/office/powerpoint/2010/main" val="4053791659"/>
       </p:ext>
     </p:extLst>
   </p:cSld>
   <p:clrMapOvr>
     <a:masterClrMapping/>
   </p:clrMapOvr>
+  <p:timing>
+    <p:tnLst>
+      <p:par>
+        <p:cTn id="1" dur="indefinite" restart="never" nodeType="tmRoot"/>
+      </p:par>
+    </p:tnLst>
+  </p:timing>
 </p:sld>
 </file>
 
@@ -5604,7 +9345,7 @@
             <a:pPr algn="ctr"/>
             <a:r>
               <a:rPr lang="en-US" sz="8000" smtClean="0"/>
-              <a:t>Détection de la catégorie</a:t>
+              <a:t>Ecriture du fichier log</a:t>
             </a:r>
             <a:endParaRPr lang="fr-CH" sz="8000"/>
           </a:p>
@@ -5612,7 +9353,7 @@
       </p:sp>
       <p:sp>
         <p:nvSpPr>
-          <p:cNvPr id="3" name="Espace réservé du contenu 2"/>
+          <p:cNvPr id="5" name="Espace réservé du contenu 4"/>
           <p:cNvSpPr>
             <a:spLocks noGrp="1"/>
           </p:cNvSpPr>
@@ -5620,10 +9361,51 @@
             <p:ph idx="1"/>
           </p:nvPr>
         </p:nvSpPr>
-        <p:spPr/>
+        <p:spPr>
+          <a:xfrm>
+            <a:off x="838200" y="2506662"/>
+            <a:ext cx="10515600" cy="2937697"/>
+          </a:xfrm>
+        </p:spPr>
         <p:txBody>
           <a:bodyPr/>
           <a:lstStyle/>
+          <a:p>
+            <a:r>
+              <a:rPr lang="en-US"/>
+              <a:t>"Nom de l'utilisateur système"_log_"Date des entrées </a:t>
+            </a:r>
+            <a:r>
+              <a:rPr lang="en-US"/>
+              <a:t>du </a:t>
+            </a:r>
+            <a:r>
+              <a:rPr lang="en-US" smtClean="0"/>
+              <a:t>fichier“</a:t>
+            </a:r>
+          </a:p>
+          <a:p>
+            <a:endParaRPr lang="en-US"/>
+          </a:p>
+          <a:p>
+            <a:r>
+              <a:rPr lang="en-US" smtClean="0"/>
+              <a:t>Concaténation de 2 fichiers</a:t>
+            </a:r>
+          </a:p>
+          <a:p>
+            <a:endParaRPr lang="en-US"/>
+          </a:p>
+          <a:p>
+            <a:r>
+              <a:rPr lang="en-US" smtClean="0"/>
+              <a:t>Période</a:t>
+            </a:r>
+            <a:endParaRPr lang="fr-CH"/>
+          </a:p>
+          <a:p>
+            <a:endParaRPr lang="en-US" smtClean="0"/>
+          </a:p>
           <a:p>
             <a:endParaRPr lang="fr-CH"/>
           </a:p>
@@ -5631,14 +9413,14 @@
       </p:sp>
       <p:pic>
         <p:nvPicPr>
-          <p:cNvPr id="3074" name="Picture 2" descr="Image associÃ©e"/>
+          <p:cNvPr id="4098" name="Picture 2" descr="Image associÃ©e"/>
           <p:cNvPicPr>
             <a:picLocks noChangeAspect="1" noChangeArrowheads="1"/>
           </p:cNvPicPr>
           <p:nvPr/>
         </p:nvPicPr>
         <p:blipFill>
-          <a:blip r:embed="rId3">
+          <a:blip r:embed="rId3" cstate="print">
             <a:extLst>
               <a:ext uri="{28A0092B-C50C-407E-A947-70E740481C1C}">
                 <a14:useLocalDpi xmlns:a14="http://schemas.microsoft.com/office/drawing/2010/main" val="0"/>
@@ -5652,8 +9434,8 @@
         </p:blipFill>
         <p:spPr bwMode="auto">
           <a:xfrm>
-            <a:off x="7956550" y="2302668"/>
-            <a:ext cx="3397250" cy="3397251"/>
+            <a:off x="8698734" y="3577076"/>
+            <a:ext cx="2473763" cy="2473763"/>
           </a:xfrm>
           <a:prstGeom prst="rect">
             <a:avLst/>
@@ -5673,7 +9455,7 @@
     </p:spTree>
     <p:extLst>
       <p:ext uri="{BB962C8B-B14F-4D97-AF65-F5344CB8AC3E}">
-        <p14:creationId xmlns:p14="http://schemas.microsoft.com/office/powerpoint/2010/main" val="1104001014"/>
+        <p14:creationId xmlns:p14="http://schemas.microsoft.com/office/powerpoint/2010/main" val="3286419546"/>
       </p:ext>
     </p:extLst>
   </p:cSld>
@@ -5719,15 +9501,13 @@
         </p:nvSpPr>
         <p:spPr/>
         <p:txBody>
-          <a:bodyPr>
-            <a:normAutofit fontScale="90000"/>
-          </a:bodyPr>
+          <a:bodyPr/>
           <a:lstStyle/>
           <a:p>
             <a:pPr algn="ctr"/>
             <a:r>
               <a:rPr lang="en-US" sz="8000" smtClean="0"/>
-              <a:t>Détection des utilisateurs</a:t>
+              <a:t>Détection de la catégorie</a:t>
             </a:r>
             <a:endParaRPr lang="fr-CH" sz="8000"/>
           </a:p>
@@ -5743,19 +9523,96 @@
             <p:ph idx="1"/>
           </p:nvPr>
         </p:nvSpPr>
-        <p:spPr/>
+        <p:spPr>
+          <a:xfrm>
+            <a:off x="838200" y="2123090"/>
+            <a:ext cx="10515600" cy="3825766"/>
+          </a:xfrm>
+        </p:spPr>
         <p:txBody>
           <a:bodyPr/>
           <a:lstStyle/>
           <a:p>
+            <a:r>
+              <a:rPr lang="en-US" smtClean="0"/>
+              <a:t>Dictionnaire</a:t>
+            </a:r>
+          </a:p>
+          <a:p>
+            <a:endParaRPr lang="en-US"/>
+          </a:p>
+          <a:p>
+            <a:r>
+              <a:rPr lang="en-US" smtClean="0"/>
+              <a:t>Mots clés</a:t>
+            </a:r>
+          </a:p>
+          <a:p>
+            <a:endParaRPr lang="en-US"/>
+          </a:p>
+          <a:p>
+            <a:r>
+              <a:rPr lang="en-US" smtClean="0"/>
+              <a:t>IGDB API</a:t>
+            </a:r>
+          </a:p>
+          <a:p>
+            <a:endParaRPr lang="en-US"/>
+          </a:p>
+          <a:p>
+            <a:r>
+              <a:rPr lang="en-US" smtClean="0"/>
+              <a:t>Sauvegarde dans des fichiers</a:t>
+            </a:r>
             <a:endParaRPr lang="fr-CH"/>
           </a:p>
         </p:txBody>
       </p:sp>
+      <p:pic>
+        <p:nvPicPr>
+          <p:cNvPr id="3074" name="Picture 2" descr="Image associÃ©e"/>
+          <p:cNvPicPr>
+            <a:picLocks noChangeAspect="1" noChangeArrowheads="1"/>
+          </p:cNvPicPr>
+          <p:nvPr/>
+        </p:nvPicPr>
+        <p:blipFill>
+          <a:blip r:embed="rId3">
+            <a:extLst>
+              <a:ext uri="{28A0092B-C50C-407E-A947-70E740481C1C}">
+                <a14:useLocalDpi xmlns:a14="http://schemas.microsoft.com/office/drawing/2010/main" val="0"/>
+              </a:ext>
+            </a:extLst>
+          </a:blip>
+          <a:srcRect/>
+          <a:stretch>
+            <a:fillRect/>
+          </a:stretch>
+        </p:blipFill>
+        <p:spPr bwMode="auto">
+          <a:xfrm>
+            <a:off x="7630730" y="2208075"/>
+            <a:ext cx="3397250" cy="3397251"/>
+          </a:xfrm>
+          <a:prstGeom prst="rect">
+            <a:avLst/>
+          </a:prstGeom>
+          <a:noFill/>
+          <a:extLst>
+            <a:ext uri="{909E8E84-426E-40DD-AFC4-6F175D3DCCD1}">
+              <a14:hiddenFill xmlns:a14="http://schemas.microsoft.com/office/drawing/2010/main">
+                <a:solidFill>
+                  <a:srgbClr val="FFFFFF"/>
+                </a:solidFill>
+              </a14:hiddenFill>
+            </a:ext>
+          </a:extLst>
+        </p:spPr>
+      </p:pic>
     </p:spTree>
     <p:extLst>
       <p:ext uri="{BB962C8B-B14F-4D97-AF65-F5344CB8AC3E}">
-        <p14:creationId xmlns:p14="http://schemas.microsoft.com/office/powerpoint/2010/main" val="1812046243"/>
+        <p14:creationId xmlns:p14="http://schemas.microsoft.com/office/powerpoint/2010/main" val="1104001014"/>
       </p:ext>
     </p:extLst>
   </p:cSld>
